--- a/Powerpoint/02.Docker.pptx
+++ b/Powerpoint/02.Docker.pptx
@@ -5315,72 +5315,72 @@
           <a:bodyPr/>
           <a:lstStyle/>
           <a:p>
-            <a:pPr marL="381000" indent="-381000" defTabSz="350520">
+            <a:pPr marL="361950" indent="-361950" defTabSz="332993">
               <a:spcBef>
-                <a:spcPts val="1300"/>
+                <a:spcPts val="1200"/>
               </a:spcBef>
               <a:buSzPct val="100000"/>
               <a:buAutoNum type="arabicPeriod" startAt="1"/>
-              <a:defRPr sz="2160"/>
+              <a:defRPr sz="2052"/>
             </a:pPr>
             <a:r>
               <a:t>เตรียม Guest OS (Ubuntu Server 16.04.1 LTS)</a:t>
             </a:r>
           </a:p>
           <a:p>
-            <a:pPr lvl="1" marL="533400" indent="-266700" defTabSz="350520">
+            <a:pPr lvl="1" marL="506729" indent="-253364" defTabSz="332993">
               <a:spcBef>
-                <a:spcPts val="1300"/>
+                <a:spcPts val="1200"/>
               </a:spcBef>
-              <a:defRPr sz="2160"/>
+              <a:defRPr sz="2052"/>
             </a:pPr>
             <a:r>
               <a:t>เปิด Guest OS ด้วย VMWare Work Station หรือ Player.</a:t>
             </a:r>
           </a:p>
           <a:p>
-            <a:pPr lvl="1" marL="533400" indent="-266700" defTabSz="350520">
+            <a:pPr lvl="1" marL="506729" indent="-253364" defTabSz="332993">
               <a:spcBef>
-                <a:spcPts val="1300"/>
+                <a:spcPts val="1200"/>
               </a:spcBef>
-              <a:defRPr sz="2160"/>
+              <a:defRPr sz="2052"/>
             </a:pPr>
             <a:r>
-              <a:t>กำหนด network ของ guest เป็นแบบ “Bridge Network”</a:t>
-            </a:r>
-          </a:p>
-          <a:p>
-            <a:pPr lvl="1" marL="533400" indent="-266700" defTabSz="350520">
+              <a:t>กำหนด network ของ guest เป็นแบบ “NAT Network”</a:t>
+            </a:r>
+          </a:p>
+          <a:p>
+            <a:pPr lvl="1" marL="506729" indent="-253364" defTabSz="332993">
               <a:spcBef>
-                <a:spcPts val="1300"/>
+                <a:spcPts val="1200"/>
               </a:spcBef>
-              <a:defRPr sz="2160"/>
+              <a:defRPr sz="2052"/>
             </a:pPr>
             <a:r>
               <a:t>กำหนดจำนวน core ของ CPU เท่ากับ 1 CPU กำหนด memory ขนาด 512MB หรือ 1GB</a:t>
             </a:r>
           </a:p>
           <a:p>
-            <a:pPr marL="381000" indent="-381000" defTabSz="350520">
+            <a:pPr marL="361950" indent="-361950" defTabSz="332993">
               <a:spcBef>
-                <a:spcPts val="1300"/>
+                <a:spcPts val="1200"/>
               </a:spcBef>
               <a:buSzPct val="100000"/>
               <a:buAutoNum type="arabicPeriod" startAt="1"/>
-              <a:defRPr sz="2160"/>
+              <a:defRPr sz="2052"/>
             </a:pPr>
             <a:r>
               <a:t>Start Guest OS (ถ้ามี dialog ถามว่า copy มาหรือ move มา ให้เลือก “I Copied it”)</a:t>
             </a:r>
           </a:p>
           <a:p>
-            <a:pPr marL="381000" indent="-381000" defTabSz="350520">
+            <a:pPr marL="361950" indent="-361950" defTabSz="332993">
               <a:spcBef>
-                <a:spcPts val="1300"/>
+                <a:spcPts val="1200"/>
               </a:spcBef>
               <a:buSzPct val="100000"/>
               <a:buAutoNum type="arabicPeriod" startAt="1"/>
-              <a:defRPr sz="2160"/>
+              <a:defRPr sz="2052"/>
             </a:pPr>
             <a:r>
               <a:t>Login</a:t>
@@ -5388,7 +5388,7 @@
             <a:br/>
             <a:br/>
             <a:r>
-              <a:rPr sz="1440">
+              <a:rPr sz="1368">
                 <a:latin typeface="Monaco"/>
                 <a:ea typeface="Monaco"/>
                 <a:cs typeface="Monaco"/>
@@ -5397,7 +5397,7 @@
               <a:t>username: docker</a:t>
             </a:r>
             <a:br>
-              <a:rPr sz="1440">
+              <a:rPr sz="1368">
                 <a:latin typeface="Monaco"/>
                 <a:ea typeface="Monaco"/>
                 <a:cs typeface="Monaco"/>
@@ -5405,7 +5405,7 @@
               </a:rPr>
             </a:br>
             <a:r>
-              <a:rPr sz="1440">
+              <a:rPr sz="1368">
                 <a:latin typeface="Monaco"/>
                 <a:ea typeface="Monaco"/>
                 <a:cs typeface="Monaco"/>
@@ -5415,13 +5415,13 @@
             </a:r>
           </a:p>
           <a:p>
-            <a:pPr marL="381000" indent="-381000" defTabSz="350520">
+            <a:pPr marL="361950" indent="-361950" defTabSz="332993">
               <a:spcBef>
-                <a:spcPts val="1300"/>
+                <a:spcPts val="1200"/>
               </a:spcBef>
               <a:buSzPct val="100000"/>
               <a:buAutoNum type="arabicPeriod" startAt="1"/>
-              <a:defRPr sz="2160"/>
+              <a:defRPr sz="2052"/>
             </a:pPr>
             <a:r>
               <a:t>ตรวจสอบ IP Address ของเครื่องด้วยคำสั่ง </a:t>
@@ -5429,7 +5429,7 @@
             <a:br/>
             <a:br/>
             <a:r>
-              <a:rPr sz="1680">
+              <a:rPr sz="1596">
                 <a:latin typeface="Menlo"/>
                 <a:ea typeface="Menlo"/>
                 <a:cs typeface="Menlo"/>
@@ -5438,7 +5438,7 @@
               <a:t>$</a:t>
             </a:r>
             <a:r>
-              <a:rPr sz="1440">
+              <a:rPr sz="1368">
                 <a:latin typeface="Menlo"/>
                 <a:ea typeface="Menlo"/>
                 <a:cs typeface="Menlo"/>
@@ -5446,15 +5446,32 @@
               </a:rPr>
               <a:t> ifconfig</a:t>
             </a:r>
-          </a:p>
-          <a:p>
-            <a:pPr marL="381000" indent="-381000" defTabSz="350520">
+            <a:br>
+              <a:rPr sz="1368">
+                <a:latin typeface="Menlo"/>
+                <a:ea typeface="Menlo"/>
+                <a:cs typeface="Menlo"/>
+                <a:sym typeface="Menlo"/>
+              </a:rPr>
+            </a:br>
+            <a:r>
+              <a:rPr sz="1368">
+                <a:latin typeface="Menlo"/>
+                <a:ea typeface="Menlo"/>
+                <a:cs typeface="Menlo"/>
+                <a:sym typeface="Menlo"/>
+              </a:rPr>
+              <a:t>// ใช้ ip จาก ems33</a:t>
+            </a:r>
+          </a:p>
+          <a:p>
+            <a:pPr marL="361950" indent="-361950" defTabSz="332993">
               <a:spcBef>
-                <a:spcPts val="1300"/>
+                <a:spcPts val="1200"/>
               </a:spcBef>
               <a:buSzPct val="100000"/>
               <a:buAutoNum type="arabicPeriod" startAt="1"/>
-              <a:defRPr sz="2160"/>
+              <a:defRPr sz="2052"/>
             </a:pPr>
             <a:r>
               <a:t>เปิด SSH client จาก host OS เพื่อ secure shell ไปยัง guest OS</a:t>
@@ -5462,7 +5479,7 @@
             <a:br/>
             <a:br/>
             <a:r>
-              <a:rPr sz="1680">
+              <a:rPr sz="1596">
                 <a:latin typeface="Menlo"/>
                 <a:ea typeface="Menlo"/>
                 <a:cs typeface="Menlo"/>
@@ -5471,7 +5488,7 @@
               <a:t>$</a:t>
             </a:r>
             <a:r>
-              <a:rPr sz="1440">
+              <a:rPr sz="1368">
                 <a:latin typeface="Monaco"/>
                 <a:ea typeface="Monaco"/>
                 <a:cs typeface="Monaco"/>
@@ -5480,7 +5497,7 @@
               <a:t> ssh docker@&lt;guest_ip_address&gt;</a:t>
             </a:r>
             <a:br>
-              <a:rPr sz="1440">
+              <a:rPr sz="1368">
                 <a:latin typeface="Monaco"/>
                 <a:ea typeface="Monaco"/>
                 <a:cs typeface="Monaco"/>
@@ -5488,7 +5505,7 @@
               </a:rPr>
             </a:br>
             <a:r>
-              <a:rPr sz="1680">
+              <a:rPr sz="1596">
                 <a:latin typeface="Menlo"/>
                 <a:ea typeface="Menlo"/>
                 <a:cs typeface="Menlo"/>
@@ -5497,7 +5514,7 @@
               <a:t>$</a:t>
             </a:r>
             <a:r>
-              <a:rPr sz="1440">
+              <a:rPr sz="1368">
                 <a:latin typeface="Monaco"/>
                 <a:ea typeface="Monaco"/>
                 <a:cs typeface="Monaco"/>
@@ -6141,8 +6158,8 @@
         </p:nvSpPr>
         <p:spPr>
           <a:xfrm>
-            <a:off x="3216591" y="7277100"/>
-            <a:ext cx="1191432" cy="533401"/>
+            <a:off x="3166541" y="7190196"/>
+            <a:ext cx="1291532" cy="707208"/>
           </a:xfrm>
           <a:prstGeom prst="rect">
             <a:avLst/>
@@ -6164,10 +6181,10 @@
           <a:p>
             <a:pPr>
               <a:defRPr b="1" sz="1400">
-                <a:latin typeface="Helvetica"/>
-                <a:ea typeface="Helvetica"/>
-                <a:cs typeface="Helvetica"/>
-                <a:sym typeface="Helvetica"/>
+                <a:latin typeface="Segoe Print"/>
+                <a:ea typeface="Segoe Print"/>
+                <a:cs typeface="Segoe Print"/>
+                <a:sym typeface="Segoe Print"/>
               </a:defRPr>
             </a:pPr>
             <a:r>
@@ -6177,10 +6194,10 @@
           <a:p>
             <a:pPr>
               <a:defRPr b="1" sz="1400">
-                <a:latin typeface="Helvetica"/>
-                <a:ea typeface="Helvetica"/>
-                <a:cs typeface="Helvetica"/>
-                <a:sym typeface="Helvetica"/>
+                <a:latin typeface="Segoe Print"/>
+                <a:ea typeface="Segoe Print"/>
+                <a:cs typeface="Segoe Print"/>
+                <a:sym typeface="Segoe Print"/>
               </a:defRPr>
             </a:pPr>
             <a:r>
@@ -6264,10 +6281,10 @@
                   <a:solidFill>
                     <a:srgbClr val="53585F"/>
                   </a:solidFill>
-                  <a:latin typeface="Helvetica"/>
-                  <a:ea typeface="Helvetica"/>
-                  <a:cs typeface="Helvetica"/>
-                  <a:sym typeface="Helvetica"/>
+                  <a:latin typeface="Segoe Print"/>
+                  <a:ea typeface="Segoe Print"/>
+                  <a:cs typeface="Segoe Print"/>
+                  <a:sym typeface="Segoe Print"/>
                 </a:defRPr>
               </a:lvl1pPr>
             </a:lstStyle>
@@ -6408,10 +6425,10 @@
                   <a:solidFill>
                     <a:srgbClr val="53585F"/>
                   </a:solidFill>
-                  <a:latin typeface="Helvetica"/>
-                  <a:ea typeface="Helvetica"/>
-                  <a:cs typeface="Helvetica"/>
-                  <a:sym typeface="Helvetica"/>
+                  <a:latin typeface="Segoe Print"/>
+                  <a:ea typeface="Segoe Print"/>
+                  <a:cs typeface="Segoe Print"/>
+                  <a:sym typeface="Segoe Print"/>
                 </a:defRPr>
               </a:lvl1pPr>
             </a:lstStyle>
@@ -6526,10 +6543,10 @@
                   <a:solidFill>
                     <a:srgbClr val="53585F"/>
                   </a:solidFill>
-                  <a:latin typeface="Helvetica"/>
-                  <a:ea typeface="Helvetica"/>
-                  <a:cs typeface="Helvetica"/>
-                  <a:sym typeface="Helvetica"/>
+                  <a:latin typeface="Segoe Print"/>
+                  <a:ea typeface="Segoe Print"/>
+                  <a:cs typeface="Segoe Print"/>
+                  <a:sym typeface="Segoe Print"/>
                 </a:defRPr>
               </a:lvl1pPr>
             </a:lstStyle>
@@ -6847,8 +6864,8 @@
         </p:nvSpPr>
         <p:spPr>
           <a:xfrm>
-            <a:off x="3970230" y="5967385"/>
-            <a:ext cx="351309" cy="317501"/>
+            <a:off x="3968276" y="5924932"/>
+            <a:ext cx="355217" cy="402407"/>
           </a:xfrm>
           <a:prstGeom prst="rect">
             <a:avLst/>
@@ -6869,10 +6886,10 @@
           <a:lstStyle>
             <a:lvl1pPr>
               <a:defRPr b="1" sz="1400">
-                <a:latin typeface="Helvetica"/>
-                <a:ea typeface="Helvetica"/>
-                <a:cs typeface="Helvetica"/>
-                <a:sym typeface="Helvetica"/>
+                <a:latin typeface="Segoe Print"/>
+                <a:ea typeface="Segoe Print"/>
+                <a:cs typeface="Segoe Print"/>
+                <a:sym typeface="Segoe Print"/>
               </a:defRPr>
             </a:lvl1pPr>
           </a:lstStyle>
@@ -6892,8 +6909,8 @@
         </p:nvSpPr>
         <p:spPr>
           <a:xfrm>
-            <a:off x="4912374" y="6932585"/>
-            <a:ext cx="420937" cy="317501"/>
+            <a:off x="4926960" y="6890132"/>
+            <a:ext cx="391766" cy="402407"/>
           </a:xfrm>
           <a:prstGeom prst="rect">
             <a:avLst/>
@@ -6914,10 +6931,10 @@
           <a:lstStyle>
             <a:lvl1pPr>
               <a:defRPr b="1" sz="1400">
-                <a:latin typeface="Helvetica"/>
-                <a:ea typeface="Helvetica"/>
-                <a:cs typeface="Helvetica"/>
-                <a:sym typeface="Helvetica"/>
+                <a:latin typeface="Segoe Print"/>
+                <a:ea typeface="Segoe Print"/>
+                <a:cs typeface="Segoe Print"/>
+                <a:sym typeface="Segoe Print"/>
               </a:defRPr>
             </a:lvl1pPr>
           </a:lstStyle>
@@ -7309,13 +7326,13 @@
       </p:par>
     </p:tnLst>
     <p:bldLst>
+      <p:bldP build="whole" bldLvl="1" animBg="1" rev="0" advAuto="0" spid="172" grpId="4"/>
+      <p:bldP build="whole" bldLvl="1" animBg="1" rev="0" advAuto="0" spid="176" grpId="6"/>
+      <p:bldP build="whole" bldLvl="1" animBg="1" rev="0" advAuto="0" spid="166" grpId="1"/>
+      <p:bldP build="whole" bldLvl="1" animBg="1" rev="0" advAuto="0" spid="170" grpId="3"/>
+      <p:bldP build="whole" bldLvl="1" animBg="1" rev="0" advAuto="0" spid="178" grpId="7"/>
       <p:bldP build="whole" bldLvl="1" animBg="1" rev="0" advAuto="0" spid="168" grpId="2"/>
-      <p:bldP build="whole" bldLvl="1" animBg="1" rev="0" advAuto="0" spid="172" grpId="4"/>
       <p:bldP build="whole" bldLvl="1" animBg="1" rev="0" advAuto="0" spid="174" grpId="5"/>
-      <p:bldP build="whole" bldLvl="1" animBg="1" rev="0" advAuto="0" spid="166" grpId="1"/>
-      <p:bldP build="whole" bldLvl="1" animBg="1" rev="0" advAuto="0" spid="178" grpId="7"/>
-      <p:bldP build="whole" bldLvl="1" animBg="1" rev="0" advAuto="0" spid="176" grpId="6"/>
-      <p:bldP build="whole" bldLvl="1" animBg="1" rev="0" advAuto="0" spid="170" grpId="3"/>
     </p:bldLst>
   </p:timing>
 </p:sld>
@@ -7500,10 +7517,10 @@
                   <a:solidFill>
                     <a:srgbClr val="53585F"/>
                   </a:solidFill>
-                  <a:latin typeface="Helvetica"/>
-                  <a:ea typeface="Helvetica"/>
-                  <a:cs typeface="Helvetica"/>
-                  <a:sym typeface="Helvetica"/>
+                  <a:latin typeface="Segoe Print"/>
+                  <a:ea typeface="Segoe Print"/>
+                  <a:cs typeface="Segoe Print"/>
+                  <a:sym typeface="Segoe Print"/>
                 </a:defRPr>
               </a:lvl1pPr>
             </a:lstStyle>
@@ -7577,8 +7594,8 @@
         </p:nvSpPr>
         <p:spPr>
           <a:xfrm>
-            <a:off x="5193387" y="4635499"/>
-            <a:ext cx="520602" cy="381001"/>
+            <a:off x="5188420" y="4580917"/>
+            <a:ext cx="530536" cy="490166"/>
           </a:xfrm>
           <a:prstGeom prst="rect">
             <a:avLst/>
@@ -7599,10 +7616,10 @@
           <a:lstStyle>
             <a:lvl1pPr>
               <a:defRPr b="1" sz="1800">
-                <a:latin typeface="Helvetica"/>
-                <a:ea typeface="Helvetica"/>
-                <a:cs typeface="Helvetica"/>
-                <a:sym typeface="Helvetica"/>
+                <a:latin typeface="Segoe Print"/>
+                <a:ea typeface="Segoe Print"/>
+                <a:cs typeface="Segoe Print"/>
+                <a:sym typeface="Segoe Print"/>
               </a:defRPr>
             </a:lvl1pPr>
           </a:lstStyle>
@@ -7648,8 +7665,8 @@
         </p:nvSpPr>
         <p:spPr>
           <a:xfrm>
-            <a:off x="4793318" y="3868040"/>
-            <a:ext cx="482539" cy="381001"/>
+            <a:off x="4773282" y="3813457"/>
+            <a:ext cx="522611" cy="490166"/>
           </a:xfrm>
           <a:prstGeom prst="rect">
             <a:avLst/>
@@ -7670,10 +7687,10 @@
           <a:lstStyle>
             <a:lvl1pPr>
               <a:defRPr b="1" sz="1800">
-                <a:latin typeface="Helvetica"/>
-                <a:ea typeface="Helvetica"/>
-                <a:cs typeface="Helvetica"/>
-                <a:sym typeface="Helvetica"/>
+                <a:latin typeface="Segoe Print"/>
+                <a:ea typeface="Segoe Print"/>
+                <a:cs typeface="Segoe Print"/>
+                <a:sym typeface="Segoe Print"/>
               </a:defRPr>
             </a:lvl1pPr>
           </a:lstStyle>
@@ -7734,10 +7751,10 @@
                   <a:solidFill>
                     <a:srgbClr val="53585F"/>
                   </a:solidFill>
-                  <a:latin typeface="Helvetica"/>
-                  <a:ea typeface="Helvetica"/>
-                  <a:cs typeface="Helvetica"/>
-                  <a:sym typeface="Helvetica"/>
+                  <a:latin typeface="Segoe Print"/>
+                  <a:ea typeface="Segoe Print"/>
+                  <a:cs typeface="Segoe Print"/>
+                  <a:sym typeface="Segoe Print"/>
                 </a:defRPr>
               </a:lvl1pPr>
             </a:lstStyle>
@@ -7826,10 +7843,10 @@
                   <a:solidFill>
                     <a:srgbClr val="53585F"/>
                   </a:solidFill>
-                  <a:latin typeface="Helvetica"/>
-                  <a:ea typeface="Helvetica"/>
-                  <a:cs typeface="Helvetica"/>
-                  <a:sym typeface="Helvetica"/>
+                  <a:latin typeface="Segoe Print"/>
+                  <a:ea typeface="Segoe Print"/>
+                  <a:cs typeface="Segoe Print"/>
+                  <a:sym typeface="Segoe Print"/>
                 </a:defRPr>
               </a:lvl1pPr>
             </a:lstStyle>
@@ -7877,8 +7894,8 @@
         </p:nvSpPr>
         <p:spPr>
           <a:xfrm>
-            <a:off x="9440794" y="3149600"/>
-            <a:ext cx="469901" cy="533401"/>
+            <a:off x="9474565" y="3051993"/>
+            <a:ext cx="402358" cy="728614"/>
           </a:xfrm>
           <a:prstGeom prst="rect">
             <a:avLst/>
@@ -7899,10 +7916,10 @@
           <a:lstStyle>
             <a:lvl1pPr>
               <a:defRPr b="1" sz="2800">
-                <a:latin typeface="Helvetica"/>
-                <a:ea typeface="Helvetica"/>
-                <a:cs typeface="Helvetica"/>
-                <a:sym typeface="Helvetica"/>
+                <a:latin typeface="Segoe Print"/>
+                <a:ea typeface="Segoe Print"/>
+                <a:cs typeface="Segoe Print"/>
+                <a:sym typeface="Segoe Print"/>
               </a:defRPr>
             </a:lvl1pPr>
           </a:lstStyle>
@@ -8015,10 +8032,10 @@
                   <a:solidFill>
                     <a:srgbClr val="53585F"/>
                   </a:solidFill>
-                  <a:latin typeface="Helvetica"/>
-                  <a:ea typeface="Helvetica"/>
-                  <a:cs typeface="Helvetica"/>
-                  <a:sym typeface="Helvetica"/>
+                  <a:latin typeface="Segoe Print"/>
+                  <a:ea typeface="Segoe Print"/>
+                  <a:cs typeface="Segoe Print"/>
+                  <a:sym typeface="Segoe Print"/>
                 </a:defRPr>
               </a:lvl1pPr>
             </a:lstStyle>
@@ -8107,10 +8124,10 @@
                   <a:solidFill>
                     <a:srgbClr val="53585F"/>
                   </a:solidFill>
-                  <a:latin typeface="Helvetica"/>
-                  <a:ea typeface="Helvetica"/>
-                  <a:cs typeface="Helvetica"/>
-                  <a:sym typeface="Helvetica"/>
+                  <a:latin typeface="Segoe Print"/>
+                  <a:ea typeface="Segoe Print"/>
+                  <a:cs typeface="Segoe Print"/>
+                  <a:sym typeface="Segoe Print"/>
                 </a:defRPr>
               </a:lvl1pPr>
             </a:lstStyle>
@@ -8199,10 +8216,10 @@
                   <a:solidFill>
                     <a:srgbClr val="53585F"/>
                   </a:solidFill>
-                  <a:latin typeface="Helvetica"/>
-                  <a:ea typeface="Helvetica"/>
-                  <a:cs typeface="Helvetica"/>
-                  <a:sym typeface="Helvetica"/>
+                  <a:latin typeface="Segoe Print"/>
+                  <a:ea typeface="Segoe Print"/>
+                  <a:cs typeface="Segoe Print"/>
+                  <a:sym typeface="Segoe Print"/>
                 </a:defRPr>
               </a:lvl1pPr>
             </a:lstStyle>
@@ -8250,8 +8267,8 @@
         </p:nvSpPr>
         <p:spPr>
           <a:xfrm>
-            <a:off x="951459" y="6934205"/>
-            <a:ext cx="1143224" cy="381001"/>
+            <a:off x="922437" y="6879622"/>
+            <a:ext cx="1201267" cy="490167"/>
           </a:xfrm>
           <a:prstGeom prst="rect">
             <a:avLst/>
@@ -8272,10 +8289,10 @@
           <a:lstStyle>
             <a:lvl1pPr>
               <a:defRPr b="1" sz="1800">
-                <a:latin typeface="Helvetica"/>
-                <a:ea typeface="Helvetica"/>
-                <a:cs typeface="Helvetica"/>
-                <a:sym typeface="Helvetica"/>
+                <a:latin typeface="Segoe Print"/>
+                <a:ea typeface="Segoe Print"/>
+                <a:cs typeface="Segoe Print"/>
+                <a:sym typeface="Segoe Print"/>
               </a:defRPr>
             </a:lvl1pPr>
           </a:lstStyle>
@@ -8466,7 +8483,7 @@
         <p:spPr>
           <a:xfrm>
             <a:off x="6868015" y="7571770"/>
-            <a:ext cx="2287505" cy="787401"/>
+            <a:ext cx="2350571" cy="1087922"/>
           </a:xfrm>
           <a:prstGeom prst="rect">
             <a:avLst/>
@@ -8493,10 +8510,10 @@
                 <a:solidFill>
                   <a:srgbClr val="53585F"/>
                 </a:solidFill>
-                <a:latin typeface="Helvetica"/>
-                <a:ea typeface="Helvetica"/>
-                <a:cs typeface="Helvetica"/>
-                <a:sym typeface="Helvetica"/>
+                <a:latin typeface="Segoe Print"/>
+                <a:ea typeface="Segoe Print"/>
+                <a:cs typeface="Segoe Print"/>
+                <a:sym typeface="Segoe Print"/>
               </a:defRPr>
             </a:pPr>
             <a:r>
@@ -8511,10 +8528,10 @@
                 <a:solidFill>
                   <a:srgbClr val="53585F"/>
                 </a:solidFill>
-                <a:latin typeface="Helvetica"/>
-                <a:ea typeface="Helvetica"/>
-                <a:cs typeface="Helvetica"/>
-                <a:sym typeface="Helvetica"/>
+                <a:latin typeface="Segoe Print"/>
+                <a:ea typeface="Segoe Print"/>
+                <a:cs typeface="Segoe Print"/>
+                <a:sym typeface="Segoe Print"/>
               </a:defRPr>
             </a:pPr>
             <a:r>
@@ -8529,10 +8546,10 @@
                 <a:solidFill>
                   <a:srgbClr val="53585F"/>
                 </a:solidFill>
-                <a:latin typeface="Helvetica"/>
-                <a:ea typeface="Helvetica"/>
-                <a:cs typeface="Helvetica"/>
-                <a:sym typeface="Helvetica"/>
+                <a:latin typeface="Segoe Print"/>
+                <a:ea typeface="Segoe Print"/>
+                <a:cs typeface="Segoe Print"/>
+                <a:sym typeface="Segoe Print"/>
               </a:defRPr>
             </a:pPr>
             <a:r>
@@ -8679,8 +8696,8 @@
         </p:nvSpPr>
         <p:spPr>
           <a:xfrm>
-            <a:off x="7851975" y="6731963"/>
-            <a:ext cx="1793938" cy="317501"/>
+            <a:off x="7844899" y="6689510"/>
+            <a:ext cx="1808089" cy="402407"/>
           </a:xfrm>
           <a:prstGeom prst="rect">
             <a:avLst/>
@@ -8701,10 +8718,10 @@
           <a:lstStyle>
             <a:lvl1pPr>
               <a:defRPr b="1" sz="1400">
-                <a:latin typeface="Helvetica"/>
-                <a:ea typeface="Helvetica"/>
-                <a:cs typeface="Helvetica"/>
-                <a:sym typeface="Helvetica"/>
+                <a:latin typeface="Segoe Print"/>
+                <a:ea typeface="Segoe Print"/>
+                <a:cs typeface="Segoe Print"/>
+                <a:sym typeface="Segoe Print"/>
               </a:defRPr>
             </a:lvl1pPr>
           </a:lstStyle>
@@ -9182,15 +9199,15 @@
       </p:par>
     </p:tnLst>
     <p:bldLst>
+      <p:bldP build="whole" bldLvl="1" animBg="1" rev="0" advAuto="0" spid="245" grpId="9"/>
+      <p:bldP build="whole" bldLvl="1" animBg="1" rev="0" advAuto="0" spid="229" grpId="1"/>
+      <p:bldP build="whole" bldLvl="1" animBg="1" rev="0" advAuto="0" spid="239" grpId="6"/>
+      <p:bldP build="whole" bldLvl="1" animBg="1" rev="0" advAuto="0" spid="235" grpId="4"/>
+      <p:bldP build="whole" bldLvl="1" animBg="1" rev="0" advAuto="0" spid="231" grpId="2"/>
+      <p:bldP build="whole" bldLvl="1" animBg="1" rev="0" advAuto="0" spid="241" grpId="7"/>
       <p:bldP build="whole" bldLvl="1" animBg="1" rev="0" advAuto="0" spid="237" grpId="5"/>
       <p:bldP build="whole" bldLvl="1" animBg="1" rev="0" advAuto="0" spid="233" grpId="3"/>
-      <p:bldP build="whole" bldLvl="1" animBg="1" rev="0" advAuto="0" spid="231" grpId="2"/>
-      <p:bldP build="whole" bldLvl="1" animBg="1" rev="0" advAuto="0" spid="241" grpId="7"/>
-      <p:bldP build="whole" bldLvl="1" animBg="1" rev="0" advAuto="0" spid="229" grpId="1"/>
-      <p:bldP build="whole" bldLvl="1" animBg="1" rev="0" advAuto="0" spid="235" grpId="4"/>
-      <p:bldP build="whole" bldLvl="1" animBg="1" rev="0" advAuto="0" spid="239" grpId="6"/>
       <p:bldP build="whole" bldLvl="1" animBg="1" rev="0" advAuto="0" spid="243" grpId="8"/>
-      <p:bldP build="whole" bldLvl="1" animBg="1" rev="0" advAuto="0" spid="245" grpId="9"/>
     </p:bldLst>
   </p:timing>
 </p:sld>

--- a/Powerpoint/02.Docker.pptx
+++ b/Powerpoint/02.Docker.pptx
@@ -28,6 +28,9 @@
     <p:sldId id="273" r:id="rId25"/>
     <p:sldId id="274" r:id="rId26"/>
     <p:sldId id="275" r:id="rId27"/>
+    <p:sldId id="276" r:id="rId28"/>
+    <p:sldId id="277" r:id="rId29"/>
+    <p:sldId id="278" r:id="rId30"/>
   </p:sldIdLst>
   <p:sldSz cx="13004800" cy="9753600"/>
   <p:notesSz cx="6858000" cy="9144000"/>
@@ -529,8 +532,8 @@
       </p:grpSpPr>
       <p:sp>
         <p:nvSpPr>
-          <p:cNvPr id="11" name="Shape 11"/>
-          <p:cNvSpPr/>
+          <p:cNvPr id="11" name="Title Text"/>
+          <p:cNvSpPr txBox="1"/>
           <p:nvPr>
             <p:ph type="title"/>
           </p:nvPr>
@@ -557,8 +560,8 @@
       </p:sp>
       <p:sp>
         <p:nvSpPr>
-          <p:cNvPr id="12" name="Shape 12"/>
-          <p:cNvSpPr/>
+          <p:cNvPr id="12" name="Body Level One…"/>
+          <p:cNvSpPr txBox="1"/>
           <p:nvPr>
             <p:ph type="body" sz="quarter" idx="1"/>
           </p:nvPr>
@@ -650,8 +653,8 @@
       </p:sp>
       <p:sp>
         <p:nvSpPr>
-          <p:cNvPr id="13" name="Shape 13"/>
-          <p:cNvSpPr/>
+          <p:cNvPr id="13" name="Slide Number"/>
+          <p:cNvSpPr txBox="1"/>
           <p:nvPr>
             <p:ph type="sldNum" sz="quarter" idx="2"/>
           </p:nvPr>
@@ -698,8 +701,8 @@
       </p:grpSpPr>
       <p:sp>
         <p:nvSpPr>
-          <p:cNvPr id="93" name="Shape 93"/>
-          <p:cNvSpPr/>
+          <p:cNvPr id="93" name="–Johnny Appleseed"/>
+          <p:cNvSpPr txBox="1"/>
           <p:nvPr>
             <p:ph type="body" sz="quarter" idx="13"/>
           </p:nvPr>
@@ -742,8 +745,8 @@
       </p:sp>
       <p:sp>
         <p:nvSpPr>
-          <p:cNvPr id="94" name="Shape 94"/>
-          <p:cNvSpPr/>
+          <p:cNvPr id="94" name="“Type a quote here.”"/>
+          <p:cNvSpPr txBox="1"/>
           <p:nvPr>
             <p:ph type="body" sz="quarter" idx="14"/>
           </p:nvPr>
@@ -781,8 +784,8 @@
       </p:sp>
       <p:sp>
         <p:nvSpPr>
-          <p:cNvPr id="95" name="Shape 95"/>
-          <p:cNvSpPr/>
+          <p:cNvPr id="95" name="Slide Number"/>
+          <p:cNvSpPr txBox="1"/>
           <p:nvPr>
             <p:ph type="sldNum" sz="quarter" idx="2"/>
           </p:nvPr>
@@ -829,7 +832,7 @@
       </p:grpSpPr>
       <p:sp>
         <p:nvSpPr>
-          <p:cNvPr id="102" name="Shape 102"/>
+          <p:cNvPr id="102" name="Image"/>
           <p:cNvSpPr/>
           <p:nvPr>
             <p:ph type="pic" idx="13"/>
@@ -856,8 +859,8 @@
       </p:sp>
       <p:sp>
         <p:nvSpPr>
-          <p:cNvPr id="103" name="Shape 103"/>
-          <p:cNvSpPr/>
+          <p:cNvPr id="103" name="Slide Number"/>
+          <p:cNvSpPr txBox="1"/>
           <p:nvPr>
             <p:ph type="sldNum" sz="quarter" idx="2"/>
           </p:nvPr>
@@ -904,8 +907,8 @@
       </p:grpSpPr>
       <p:sp>
         <p:nvSpPr>
-          <p:cNvPr id="110" name="Shape 110"/>
-          <p:cNvSpPr/>
+          <p:cNvPr id="110" name="Slide Number"/>
+          <p:cNvSpPr txBox="1"/>
           <p:nvPr>
             <p:ph type="sldNum" sz="quarter" idx="2"/>
           </p:nvPr>
@@ -952,7 +955,7 @@
       </p:grpSpPr>
       <p:sp>
         <p:nvSpPr>
-          <p:cNvPr id="20" name="Shape 20"/>
+          <p:cNvPr id="20" name="Image"/>
           <p:cNvSpPr/>
           <p:nvPr>
             <p:ph type="pic" idx="13"/>
@@ -979,8 +982,8 @@
       </p:sp>
       <p:sp>
         <p:nvSpPr>
-          <p:cNvPr id="21" name="Shape 21"/>
-          <p:cNvSpPr/>
+          <p:cNvPr id="21" name="Title Text"/>
+          <p:cNvSpPr txBox="1"/>
           <p:nvPr>
             <p:ph type="title"/>
           </p:nvPr>
@@ -1007,8 +1010,8 @@
       </p:sp>
       <p:sp>
         <p:nvSpPr>
-          <p:cNvPr id="22" name="Shape 22"/>
-          <p:cNvSpPr/>
+          <p:cNvPr id="22" name="Body Level One…"/>
+          <p:cNvSpPr txBox="1"/>
           <p:nvPr>
             <p:ph type="body" sz="quarter" idx="1"/>
           </p:nvPr>
@@ -1100,8 +1103,8 @@
       </p:sp>
       <p:sp>
         <p:nvSpPr>
-          <p:cNvPr id="23" name="Shape 23"/>
-          <p:cNvSpPr/>
+          <p:cNvPr id="23" name="Slide Number"/>
+          <p:cNvSpPr txBox="1"/>
           <p:nvPr>
             <p:ph type="sldNum" sz="quarter" idx="2"/>
           </p:nvPr>
@@ -1152,8 +1155,8 @@
       </p:grpSpPr>
       <p:sp>
         <p:nvSpPr>
-          <p:cNvPr id="30" name="Shape 30"/>
-          <p:cNvSpPr/>
+          <p:cNvPr id="30" name="Title Text"/>
+          <p:cNvSpPr txBox="1"/>
           <p:nvPr>
             <p:ph type="title"/>
           </p:nvPr>
@@ -1180,8 +1183,8 @@
       </p:sp>
       <p:sp>
         <p:nvSpPr>
-          <p:cNvPr id="31" name="Shape 31"/>
-          <p:cNvSpPr/>
+          <p:cNvPr id="31" name="Slide Number"/>
+          <p:cNvSpPr txBox="1"/>
           <p:nvPr>
             <p:ph type="sldNum" sz="quarter" idx="2"/>
           </p:nvPr>
@@ -1228,7 +1231,7 @@
       </p:grpSpPr>
       <p:sp>
         <p:nvSpPr>
-          <p:cNvPr id="38" name="Shape 38"/>
+          <p:cNvPr id="38" name="Image"/>
           <p:cNvSpPr/>
           <p:nvPr>
             <p:ph type="pic" sz="half" idx="13"/>
@@ -1255,8 +1258,8 @@
       </p:sp>
       <p:sp>
         <p:nvSpPr>
-          <p:cNvPr id="39" name="Shape 39"/>
-          <p:cNvSpPr/>
+          <p:cNvPr id="39" name="Title Text"/>
+          <p:cNvSpPr txBox="1"/>
           <p:nvPr>
             <p:ph type="title"/>
           </p:nvPr>
@@ -1287,8 +1290,8 @@
       </p:sp>
       <p:sp>
         <p:nvSpPr>
-          <p:cNvPr id="40" name="Shape 40"/>
-          <p:cNvSpPr/>
+          <p:cNvPr id="40" name="Body Level One…"/>
+          <p:cNvSpPr txBox="1"/>
           <p:nvPr>
             <p:ph type="body" sz="quarter" idx="1"/>
           </p:nvPr>
@@ -1380,8 +1383,8 @@
       </p:sp>
       <p:sp>
         <p:nvSpPr>
-          <p:cNvPr id="41" name="Shape 41"/>
-          <p:cNvSpPr/>
+          <p:cNvPr id="41" name="Slide Number"/>
+          <p:cNvSpPr txBox="1"/>
           <p:nvPr>
             <p:ph type="sldNum" sz="quarter" idx="2"/>
           </p:nvPr>
@@ -1428,8 +1431,8 @@
       </p:grpSpPr>
       <p:sp>
         <p:nvSpPr>
-          <p:cNvPr id="48" name="Shape 48"/>
-          <p:cNvSpPr/>
+          <p:cNvPr id="48" name="Title Text"/>
+          <p:cNvSpPr txBox="1"/>
           <p:nvPr>
             <p:ph type="title"/>
           </p:nvPr>
@@ -1452,8 +1455,8 @@
       </p:sp>
       <p:sp>
         <p:nvSpPr>
-          <p:cNvPr id="49" name="Shape 49"/>
-          <p:cNvSpPr/>
+          <p:cNvPr id="49" name="Slide Number"/>
+          <p:cNvSpPr txBox="1"/>
           <p:nvPr>
             <p:ph type="sldNum" sz="quarter" idx="2"/>
           </p:nvPr>
@@ -1500,8 +1503,8 @@
       </p:grpSpPr>
       <p:sp>
         <p:nvSpPr>
-          <p:cNvPr id="56" name="Shape 56"/>
-          <p:cNvSpPr/>
+          <p:cNvPr id="56" name="Title Text"/>
+          <p:cNvSpPr txBox="1"/>
           <p:nvPr>
             <p:ph type="title"/>
           </p:nvPr>
@@ -1524,8 +1527,8 @@
       </p:sp>
       <p:sp>
         <p:nvSpPr>
-          <p:cNvPr id="57" name="Shape 57"/>
-          <p:cNvSpPr/>
+          <p:cNvPr id="57" name="Body Level One…"/>
+          <p:cNvSpPr txBox="1"/>
           <p:nvPr>
             <p:ph type="body" idx="1"/>
           </p:nvPr>
@@ -1572,8 +1575,8 @@
       </p:sp>
       <p:sp>
         <p:nvSpPr>
-          <p:cNvPr id="58" name="Shape 58"/>
-          <p:cNvSpPr/>
+          <p:cNvPr id="58" name="Slide Number"/>
+          <p:cNvSpPr txBox="1"/>
           <p:nvPr>
             <p:ph type="sldNum" sz="quarter" idx="2"/>
           </p:nvPr>
@@ -1620,7 +1623,7 @@
       </p:grpSpPr>
       <p:sp>
         <p:nvSpPr>
-          <p:cNvPr id="65" name="Shape 65"/>
+          <p:cNvPr id="65" name="Image"/>
           <p:cNvSpPr/>
           <p:nvPr>
             <p:ph type="pic" sz="half" idx="13"/>
@@ -1647,8 +1650,8 @@
       </p:sp>
       <p:sp>
         <p:nvSpPr>
-          <p:cNvPr id="66" name="Shape 66"/>
-          <p:cNvSpPr/>
+          <p:cNvPr id="66" name="Title Text"/>
+          <p:cNvSpPr txBox="1"/>
           <p:nvPr>
             <p:ph type="title"/>
           </p:nvPr>
@@ -1671,8 +1674,8 @@
       </p:sp>
       <p:sp>
         <p:nvSpPr>
-          <p:cNvPr id="67" name="Shape 67"/>
-          <p:cNvSpPr/>
+          <p:cNvPr id="67" name="Body Level One…"/>
+          <p:cNvSpPr txBox="1"/>
           <p:nvPr>
             <p:ph type="body" sz="half" idx="1"/>
           </p:nvPr>
@@ -1754,8 +1757,8 @@
       </p:sp>
       <p:sp>
         <p:nvSpPr>
-          <p:cNvPr id="68" name="Shape 68"/>
-          <p:cNvSpPr/>
+          <p:cNvPr id="68" name="Slide Number"/>
+          <p:cNvSpPr txBox="1"/>
           <p:nvPr>
             <p:ph type="sldNum" sz="quarter" idx="2"/>
           </p:nvPr>
@@ -1802,8 +1805,8 @@
       </p:grpSpPr>
       <p:sp>
         <p:nvSpPr>
-          <p:cNvPr id="75" name="Shape 75"/>
-          <p:cNvSpPr/>
+          <p:cNvPr id="75" name="Body Level One…"/>
+          <p:cNvSpPr txBox="1"/>
           <p:nvPr>
             <p:ph type="body" idx="1"/>
           </p:nvPr>
@@ -1854,8 +1857,8 @@
       </p:sp>
       <p:sp>
         <p:nvSpPr>
-          <p:cNvPr id="76" name="Shape 76"/>
-          <p:cNvSpPr/>
+          <p:cNvPr id="76" name="Slide Number"/>
+          <p:cNvSpPr txBox="1"/>
           <p:nvPr>
             <p:ph type="sldNum" sz="quarter" idx="2"/>
           </p:nvPr>
@@ -1902,7 +1905,7 @@
       </p:grpSpPr>
       <p:sp>
         <p:nvSpPr>
-          <p:cNvPr id="83" name="Shape 83"/>
+          <p:cNvPr id="83" name="Image"/>
           <p:cNvSpPr/>
           <p:nvPr>
             <p:ph type="pic" sz="quarter" idx="13"/>
@@ -1929,7 +1932,7 @@
       </p:sp>
       <p:sp>
         <p:nvSpPr>
-          <p:cNvPr id="84" name="Shape 84"/>
+          <p:cNvPr id="84" name="Image"/>
           <p:cNvSpPr/>
           <p:nvPr>
             <p:ph type="pic" sz="quarter" idx="14"/>
@@ -1956,7 +1959,7 @@
       </p:sp>
       <p:sp>
         <p:nvSpPr>
-          <p:cNvPr id="85" name="Shape 85"/>
+          <p:cNvPr id="85" name="Image"/>
           <p:cNvSpPr/>
           <p:nvPr>
             <p:ph type="pic" sz="half" idx="15"/>
@@ -1983,8 +1986,8 @@
       </p:sp>
       <p:sp>
         <p:nvSpPr>
-          <p:cNvPr id="86" name="Shape 86"/>
-          <p:cNvSpPr/>
+          <p:cNvPr id="86" name="Slide Number"/>
+          <p:cNvSpPr txBox="1"/>
           <p:nvPr>
             <p:ph type="sldNum" sz="quarter" idx="2"/>
           </p:nvPr>
@@ -2038,8 +2041,8 @@
       </p:grpSpPr>
       <p:sp>
         <p:nvSpPr>
-          <p:cNvPr id="2" name="Shape 2"/>
-          <p:cNvSpPr/>
+          <p:cNvPr id="2" name="Title Text"/>
+          <p:cNvSpPr txBox="1"/>
           <p:nvPr>
             <p:ph type="title"/>
           </p:nvPr>
@@ -2076,8 +2079,8 @@
       </p:sp>
       <p:sp>
         <p:nvSpPr>
-          <p:cNvPr id="3" name="Shape 3"/>
-          <p:cNvSpPr/>
+          <p:cNvPr id="3" name="Body Level One…"/>
+          <p:cNvSpPr txBox="1"/>
           <p:nvPr>
             <p:ph type="body" idx="1"/>
           </p:nvPr>
@@ -2138,8 +2141,8 @@
       </p:sp>
       <p:sp>
         <p:nvSpPr>
-          <p:cNvPr id="4" name="Shape 4"/>
-          <p:cNvSpPr/>
+          <p:cNvPr id="4" name="Slide Number"/>
+          <p:cNvSpPr txBox="1"/>
           <p:nvPr>
             <p:ph type="sldNum" sz="quarter" idx="2"/>
           </p:nvPr>
@@ -3002,8 +3005,8 @@
       </p:grpSpPr>
       <p:sp>
         <p:nvSpPr>
-          <p:cNvPr id="119" name="Shape 119"/>
-          <p:cNvSpPr/>
+          <p:cNvPr id="119" name="Docker Engine"/>
+          <p:cNvSpPr txBox="1"/>
           <p:nvPr>
             <p:ph type="ctrTitle"/>
           </p:nvPr>
@@ -3026,8 +3029,8 @@
       </p:sp>
       <p:sp>
         <p:nvSpPr>
-          <p:cNvPr id="120" name="Shape 120"/>
-          <p:cNvSpPr/>
+          <p:cNvPr id="120" name="Basic Docker"/>
+          <p:cNvSpPr txBox="1"/>
           <p:nvPr>
             <p:ph type="subTitle" sz="quarter" idx="1"/>
           </p:nvPr>
@@ -3076,8 +3079,8 @@
       </p:grpSpPr>
       <p:sp>
         <p:nvSpPr>
-          <p:cNvPr id="264" name="Shape 264"/>
-          <p:cNvSpPr/>
+          <p:cNvPr id="264" name="Docker exec"/>
+          <p:cNvSpPr txBox="1"/>
           <p:nvPr>
             <p:ph type="title"/>
           </p:nvPr>
@@ -3100,8 +3103,8 @@
       </p:sp>
       <p:sp>
         <p:nvSpPr>
-          <p:cNvPr id="265" name="Shape 265"/>
-          <p:cNvSpPr/>
+          <p:cNvPr id="265" name="เป็นคำสั่งที่ใช้เพื่อ execute command ใน container เช่น ถ้ามี container ubuntu ทำงานอยู่ และเราต้องการ list file ภายใต้ folder /etc เราใช้คำสั่งดังนี้  $ docker exec myUbuntu ls -l /etc…"/>
+          <p:cNvSpPr txBox="1"/>
           <p:nvPr>
             <p:ph type="body" idx="1"/>
           </p:nvPr>
@@ -3235,8 +3238,8 @@
       </p:sp>
       <p:sp>
         <p:nvSpPr>
-          <p:cNvPr id="266" name="Shape 266"/>
-          <p:cNvSpPr/>
+          <p:cNvPr id="266" name="Slide Number"/>
+          <p:cNvSpPr txBox="1"/>
           <p:nvPr>
             <p:ph type="sldNum" sz="quarter" idx="4294967295"/>
           </p:nvPr>
@@ -3288,8 +3291,8 @@
       </p:grpSpPr>
       <p:sp>
         <p:nvSpPr>
-          <p:cNvPr id="268" name="Shape 268"/>
-          <p:cNvSpPr/>
+          <p:cNvPr id="268" name="root"/>
+          <p:cNvSpPr txBox="1"/>
           <p:nvPr>
             <p:ph type="title"/>
           </p:nvPr>
@@ -3312,8 +3315,8 @@
       </p:sp>
       <p:sp>
         <p:nvSpPr>
-          <p:cNvPr id="269" name="Shape 269"/>
-          <p:cNvSpPr/>
+          <p:cNvPr id="269" name="user default ใน container นั้น เป็นได้หลากหลาย ขึ้นอยู่กับว่าเจ้าของ container นั้นกำหนดไว้เช่นไร…"/>
+          <p:cNvSpPr txBox="1"/>
           <p:nvPr>
             <p:ph type="body" idx="1"/>
           </p:nvPr>
@@ -3388,8 +3391,8 @@
       </p:sp>
       <p:sp>
         <p:nvSpPr>
-          <p:cNvPr id="270" name="Shape 270"/>
-          <p:cNvSpPr/>
+          <p:cNvPr id="270" name="Slide Number"/>
+          <p:cNvSpPr txBox="1"/>
           <p:nvPr>
             <p:ph type="sldNum" sz="quarter" idx="4294967295"/>
           </p:nvPr>
@@ -3441,8 +3444,8 @@
       </p:grpSpPr>
       <p:sp>
         <p:nvSpPr>
-          <p:cNvPr id="272" name="Shape 272"/>
-          <p:cNvSpPr/>
+          <p:cNvPr id="272" name="Pause"/>
+          <p:cNvSpPr txBox="1"/>
           <p:nvPr>
             <p:ph type="title"/>
           </p:nvPr>
@@ -3465,8 +3468,8 @@
       </p:sp>
       <p:sp>
         <p:nvSpPr>
-          <p:cNvPr id="273" name="Shape 273"/>
-          <p:cNvSpPr/>
+          <p:cNvPr id="273" name="หยุดการทำงานชั่วคราว  $ docker pause &lt;container_id&gt;…"/>
+          <p:cNvSpPr txBox="1"/>
           <p:nvPr>
             <p:ph type="body" idx="1"/>
           </p:nvPr>
@@ -3517,8 +3520,8 @@
       </p:sp>
       <p:sp>
         <p:nvSpPr>
-          <p:cNvPr id="274" name="Shape 274"/>
-          <p:cNvSpPr/>
+          <p:cNvPr id="274" name="Slide Number"/>
+          <p:cNvSpPr txBox="1"/>
           <p:nvPr>
             <p:ph type="sldNum" sz="quarter" idx="4294967295"/>
           </p:nvPr>
@@ -3570,8 +3573,8 @@
       </p:grpSpPr>
       <p:sp>
         <p:nvSpPr>
-          <p:cNvPr id="276" name="Shape 276"/>
-          <p:cNvSpPr/>
+          <p:cNvPr id="276" name="Docker Filter"/>
+          <p:cNvSpPr txBox="1"/>
           <p:nvPr>
             <p:ph type="title"/>
           </p:nvPr>
@@ -3594,8 +3597,8 @@
       </p:sp>
       <p:sp>
         <p:nvSpPr>
-          <p:cNvPr id="277" name="Shape 277"/>
-          <p:cNvSpPr/>
+          <p:cNvPr id="277" name="Filter  $ docker ps -f status=exited  $ docker ps -f status=running…"/>
+          <p:cNvSpPr txBox="1"/>
           <p:nvPr>
             <p:ph type="body" idx="1"/>
           </p:nvPr>
@@ -3700,8 +3703,8 @@
       </p:sp>
       <p:sp>
         <p:nvSpPr>
-          <p:cNvPr id="278" name="Shape 278"/>
-          <p:cNvSpPr/>
+          <p:cNvPr id="278" name="Slide Number"/>
+          <p:cNvSpPr txBox="1"/>
           <p:nvPr>
             <p:ph type="sldNum" sz="quarter" idx="4294967295"/>
           </p:nvPr>
@@ -3753,8 +3756,8 @@
       </p:grpSpPr>
       <p:sp>
         <p:nvSpPr>
-          <p:cNvPr id="280" name="Shape 280"/>
-          <p:cNvSpPr/>
+          <p:cNvPr id="280" name="Docker Commit"/>
+          <p:cNvSpPr txBox="1"/>
           <p:nvPr>
             <p:ph type="title"/>
           </p:nvPr>
@@ -3777,8 +3780,8 @@
       </p:sp>
       <p:sp>
         <p:nvSpPr>
-          <p:cNvPr id="281" name="Shape 281"/>
-          <p:cNvSpPr/>
+          <p:cNvPr id="281" name="Save container ไปเป็น image ใหม่  $ docker commit &lt;container_id&gt; new_image_name&lt;:tag&gt;  เช่น   $ docker commit 345 my_image…"/>
+          <p:cNvSpPr txBox="1"/>
           <p:nvPr>
             <p:ph type="body" idx="1"/>
           </p:nvPr>
@@ -3898,8 +3901,8 @@
       </p:sp>
       <p:sp>
         <p:nvSpPr>
-          <p:cNvPr id="282" name="Shape 282"/>
-          <p:cNvSpPr/>
+          <p:cNvPr id="282" name="Slide Number"/>
+          <p:cNvSpPr txBox="1"/>
           <p:nvPr>
             <p:ph type="sldNum" sz="quarter" idx="4294967295"/>
           </p:nvPr>
@@ -3951,8 +3954,8 @@
       </p:grpSpPr>
       <p:sp>
         <p:nvSpPr>
-          <p:cNvPr id="284" name="Shape 284"/>
-          <p:cNvSpPr/>
+          <p:cNvPr id="284" name="Inspect  &amp; Stats"/>
+          <p:cNvSpPr txBox="1"/>
           <p:nvPr>
             <p:ph type="title"/>
           </p:nvPr>
@@ -3975,8 +3978,8 @@
       </p:sp>
       <p:sp>
         <p:nvSpPr>
-          <p:cNvPr id="285" name="Shape 285"/>
-          <p:cNvSpPr/>
+          <p:cNvPr id="285" name="ดู detail ของ docker container  $ docker inspect &lt;container_id&gt;…"/>
+          <p:cNvSpPr txBox="1"/>
           <p:nvPr>
             <p:ph type="body" idx="1"/>
           </p:nvPr>
@@ -4137,8 +4140,8 @@
       </p:sp>
       <p:sp>
         <p:nvSpPr>
-          <p:cNvPr id="286" name="Shape 286"/>
-          <p:cNvSpPr/>
+          <p:cNvPr id="286" name="Slide Number"/>
+          <p:cNvSpPr txBox="1"/>
           <p:nvPr>
             <p:ph type="sldNum" sz="quarter" idx="4294967295"/>
           </p:nvPr>
@@ -4190,8 +4193,8 @@
       </p:grpSpPr>
       <p:sp>
         <p:nvSpPr>
-          <p:cNvPr id="288" name="Shape 288"/>
-          <p:cNvSpPr/>
+          <p:cNvPr id="288" name="Docker Remove"/>
+          <p:cNvSpPr txBox="1"/>
           <p:nvPr>
             <p:ph type="title"/>
           </p:nvPr>
@@ -4214,8 +4217,8 @@
       </p:sp>
       <p:sp>
         <p:nvSpPr>
-          <p:cNvPr id="289" name="Shape 289"/>
-          <p:cNvSpPr/>
+          <p:cNvPr id="289" name="ลบ container  $ docker rm &lt;container_id&gt;…"/>
+          <p:cNvSpPr txBox="1"/>
           <p:nvPr>
             <p:ph type="body" idx="1"/>
           </p:nvPr>
@@ -4403,8 +4406,8 @@
       </p:sp>
       <p:sp>
         <p:nvSpPr>
-          <p:cNvPr id="290" name="Shape 290"/>
-          <p:cNvSpPr/>
+          <p:cNvPr id="290" name="Slide Number"/>
+          <p:cNvSpPr txBox="1"/>
           <p:nvPr>
             <p:ph type="sldNum" sz="quarter" idx="4294967295"/>
           </p:nvPr>
@@ -4456,8 +4459,8 @@
       </p:grpSpPr>
       <p:sp>
         <p:nvSpPr>
-          <p:cNvPr id="292" name="Shape 292"/>
-          <p:cNvSpPr/>
+          <p:cNvPr id="292" name="Labs"/>
+          <p:cNvSpPr txBox="1"/>
           <p:nvPr>
             <p:ph type="title"/>
           </p:nvPr>
@@ -4480,8 +4483,8 @@
       </p:sp>
       <p:sp>
         <p:nvSpPr>
-          <p:cNvPr id="293" name="Shape 293"/>
-          <p:cNvSpPr/>
+          <p:cNvPr id="293" name="สร้าง tomcat web server ด้วย docker…"/>
+          <p:cNvSpPr txBox="1"/>
           <p:nvPr>
             <p:ph type="body" idx="1"/>
           </p:nvPr>
@@ -4510,8 +4513,8 @@
       </p:sp>
       <p:sp>
         <p:nvSpPr>
-          <p:cNvPr id="294" name="Shape 294"/>
-          <p:cNvSpPr/>
+          <p:cNvPr id="294" name="References :-    tomcat - https://hub.docker.com/_/tomcat/"/>
+          <p:cNvSpPr txBox="1"/>
           <p:nvPr/>
         </p:nvSpPr>
         <p:spPr>
@@ -4561,8 +4564,8 @@
       </p:sp>
       <p:sp>
         <p:nvSpPr>
-          <p:cNvPr id="295" name="Shape 295"/>
-          <p:cNvSpPr/>
+          <p:cNvPr id="295" name="Slide Number"/>
+          <p:cNvSpPr txBox="1"/>
           <p:nvPr>
             <p:ph type="sldNum" sz="quarter" idx="4294967295"/>
           </p:nvPr>
@@ -4614,8 +4617,8 @@
       </p:grpSpPr>
       <p:sp>
         <p:nvSpPr>
-          <p:cNvPr id="297" name="Shape 297"/>
-          <p:cNvSpPr/>
+          <p:cNvPr id="297" name="Volume"/>
+          <p:cNvSpPr txBox="1"/>
           <p:nvPr>
             <p:ph type="title"/>
           </p:nvPr>
@@ -4638,8 +4641,8 @@
       </p:sp>
       <p:sp>
         <p:nvSpPr>
-          <p:cNvPr id="298" name="Shape 298"/>
-          <p:cNvSpPr/>
+          <p:cNvPr id="298" name="mount volume ออกมานอก container…"/>
+          <p:cNvSpPr txBox="1"/>
           <p:nvPr>
             <p:ph type="body" idx="1"/>
           </p:nvPr>
@@ -4831,8 +4834,8 @@
       </p:sp>
       <p:sp>
         <p:nvSpPr>
-          <p:cNvPr id="299" name="Shape 299"/>
-          <p:cNvSpPr/>
+          <p:cNvPr id="299" name="Slide Number"/>
+          <p:cNvSpPr txBox="1"/>
           <p:nvPr>
             <p:ph type="sldNum" sz="quarter" idx="4294967295"/>
           </p:nvPr>
@@ -4884,8 +4887,8 @@
       </p:grpSpPr>
       <p:sp>
         <p:nvSpPr>
-          <p:cNvPr id="301" name="Shape 301"/>
-          <p:cNvSpPr/>
+          <p:cNvPr id="301" name="Volume"/>
+          <p:cNvSpPr txBox="1"/>
           <p:nvPr>
             <p:ph type="title"/>
           </p:nvPr>
@@ -4908,8 +4911,8 @@
       </p:sp>
       <p:sp>
         <p:nvSpPr>
-          <p:cNvPr id="302" name="Shape 302"/>
-          <p:cNvSpPr/>
+          <p:cNvPr id="302" name="เมื่อสร้างหรือ mount volume แล้ว เราสามารถดูได้ว่า volume ที่ถูก mount อยู่ที่ไหน โดยดูจากข้อมูลที่ได้จากการ inspect  $ docker inspect myubuntu  เช่น…"/>
+          <p:cNvSpPr txBox="1"/>
           <p:nvPr>
             <p:ph type="body" idx="1"/>
           </p:nvPr>
@@ -5219,8 +5222,8 @@
       </p:sp>
       <p:sp>
         <p:nvSpPr>
-          <p:cNvPr id="303" name="Shape 303"/>
-          <p:cNvSpPr/>
+          <p:cNvPr id="303" name="Slide Number"/>
+          <p:cNvSpPr txBox="1"/>
           <p:nvPr>
             <p:ph type="sldNum" sz="quarter" idx="4294967295"/>
           </p:nvPr>
@@ -5272,8 +5275,8 @@
       </p:grpSpPr>
       <p:sp>
         <p:nvSpPr>
-          <p:cNvPr id="122" name="Shape 122"/>
-          <p:cNvSpPr/>
+          <p:cNvPr id="122" name="Let’s start"/>
+          <p:cNvSpPr txBox="1"/>
           <p:nvPr>
             <p:ph type="title"/>
           </p:nvPr>
@@ -5296,8 +5299,8 @@
       </p:sp>
       <p:sp>
         <p:nvSpPr>
-          <p:cNvPr id="123" name="Shape 123"/>
-          <p:cNvSpPr/>
+          <p:cNvPr id="123" name="เตรียม Guest OS (Ubuntu Server 16.04.1 LTS)…"/>
+          <p:cNvSpPr txBox="1"/>
           <p:nvPr>
             <p:ph type="body" idx="1"/>
           </p:nvPr>
@@ -5527,8 +5530,8 @@
       </p:sp>
       <p:sp>
         <p:nvSpPr>
-          <p:cNvPr id="124" name="Shape 124"/>
-          <p:cNvSpPr/>
+          <p:cNvPr id="124" name="Slide Number"/>
+          <p:cNvSpPr txBox="1"/>
           <p:nvPr>
             <p:ph type="sldNum" sz="quarter" idx="4294967295"/>
           </p:nvPr>
@@ -5584,8 +5587,8 @@
       </p:grpSpPr>
       <p:sp>
         <p:nvSpPr>
-          <p:cNvPr id="305" name="Shape 305"/>
-          <p:cNvSpPr/>
+          <p:cNvPr id="305" name="Labs"/>
+          <p:cNvSpPr txBox="1"/>
           <p:nvPr>
             <p:ph type="title"/>
           </p:nvPr>
@@ -5608,8 +5611,8 @@
       </p:sp>
       <p:sp>
         <p:nvSpPr>
-          <p:cNvPr id="306" name="Shape 306"/>
-          <p:cNvSpPr/>
+          <p:cNvPr id="306" name="Lab 1 : run 2 container  $ docker run -d -t -v /tmp/data:/data ubuntu…"/>
+          <p:cNvSpPr txBox="1"/>
           <p:nvPr>
             <p:ph type="body" idx="1"/>
           </p:nvPr>
@@ -5695,8 +5698,571 @@
       </p:sp>
       <p:sp>
         <p:nvSpPr>
-          <p:cNvPr id="307" name="Shape 307"/>
-          <p:cNvSpPr/>
+          <p:cNvPr id="307" name="Slide Number"/>
+          <p:cNvSpPr txBox="1"/>
+          <p:nvPr>
+            <p:ph type="sldNum" sz="quarter" idx="4294967295"/>
+          </p:nvPr>
+        </p:nvSpPr>
+        <p:spPr>
+          <a:prstGeom prst="rect">
+            <a:avLst/>
+          </a:prstGeom>
+          <a:extLst>
+            <a:ext uri="{C572A759-6A51-4108-AA02-DFA0A04FC94B}">
+              <ma14:wrappingTextBoxFlag xmlns:ma14="http://schemas.microsoft.com/office/mac/drawingml/2011/main" val="1"/>
+            </a:ext>
+          </a:extLst>
+        </p:spPr>
+        <p:txBody>
+          <a:bodyPr/>
+          <a:lstStyle/>
+          <a:p>
+            <a:pPr/>
+            <a:fld id="{86CB4B4D-7CA3-9044-876B-883B54F8677D}" type="slidenum"/>
+          </a:p>
+        </p:txBody>
+      </p:sp>
+    </p:spTree>
+  </p:cSld>
+  <p:clrMapOvr>
+    <a:masterClrMapping/>
+  </p:clrMapOvr>
+  <p:transition xmlns:p14="http://schemas.microsoft.com/office/powerpoint/2010/main" spd="med" advClick="1"/>
+</p:sld>
+</file>
+
+<file path=ppt/slides/slide21.xml><?xml version="1.0" encoding="utf-8"?>
+<p:sld xmlns:a="http://schemas.openxmlformats.org/drawingml/2006/main" xmlns:r="http://schemas.openxmlformats.org/officeDocument/2006/relationships" xmlns:p="http://schemas.openxmlformats.org/presentationml/2006/main" showMasterSp="1" showMasterPhAnim="1">
+  <p:cSld>
+    <p:spTree>
+      <p:nvGrpSpPr>
+        <p:cNvPr id="1" name=""/>
+        <p:cNvGrpSpPr/>
+        <p:nvPr/>
+      </p:nvGrpSpPr>
+      <p:grpSpPr>
+        <a:xfrm>
+          <a:off x="0" y="0"/>
+          <a:ext cx="0" cy="0"/>
+          <a:chOff x="0" y="0"/>
+          <a:chExt cx="0" cy="0"/>
+        </a:xfrm>
+      </p:grpSpPr>
+      <p:sp>
+        <p:nvSpPr>
+          <p:cNvPr id="309" name="Docker Hub"/>
+          <p:cNvSpPr txBox="1"/>
+          <p:nvPr>
+            <p:ph type="title"/>
+          </p:nvPr>
+        </p:nvSpPr>
+        <p:spPr>
+          <a:prstGeom prst="rect">
+            <a:avLst/>
+          </a:prstGeom>
+        </p:spPr>
+        <p:txBody>
+          <a:bodyPr/>
+          <a:lstStyle/>
+          <a:p>
+            <a:pPr/>
+            <a:r>
+              <a:t>Docker Hub</a:t>
+            </a:r>
+          </a:p>
+        </p:txBody>
+      </p:sp>
+      <p:pic>
+        <p:nvPicPr>
+          <p:cNvPr id="310" name="pasted-image.png" descr="pasted-image.png"/>
+          <p:cNvPicPr>
+            <a:picLocks noChangeAspect="1"/>
+          </p:cNvPicPr>
+          <p:nvPr/>
+        </p:nvPicPr>
+        <p:blipFill>
+          <a:blip r:embed="rId2">
+            <a:extLst/>
+          </a:blip>
+          <a:stretch>
+            <a:fillRect/>
+          </a:stretch>
+        </p:blipFill>
+        <p:spPr>
+          <a:xfrm>
+            <a:off x="1255846" y="2851403"/>
+            <a:ext cx="10493108" cy="5803394"/>
+          </a:xfrm>
+          <a:prstGeom prst="rect">
+            <a:avLst/>
+          </a:prstGeom>
+          <a:ln w="25400">
+            <a:solidFill>
+              <a:srgbClr val="F3F7F5"/>
+            </a:solidFill>
+            <a:miter lim="400000"/>
+          </a:ln>
+          <a:effectLst>
+            <a:outerShdw sx="100000" sy="100000" kx="0" ky="0" algn="b" rotWithShape="0" blurRad="50800" dist="25400" dir="3600000">
+              <a:srgbClr val="000000">
+                <a:alpha val="70000"/>
+              </a:srgbClr>
+            </a:outerShdw>
+          </a:effectLst>
+        </p:spPr>
+      </p:pic>
+      <p:sp>
+        <p:nvSpPr>
+          <p:cNvPr id="311" name="Slide Number"/>
+          <p:cNvSpPr txBox="1"/>
+          <p:nvPr>
+            <p:ph type="sldNum" sz="quarter" idx="4294967295"/>
+          </p:nvPr>
+        </p:nvSpPr>
+        <p:spPr>
+          <a:prstGeom prst="rect">
+            <a:avLst/>
+          </a:prstGeom>
+          <a:extLst>
+            <a:ext uri="{C572A759-6A51-4108-AA02-DFA0A04FC94B}">
+              <ma14:wrappingTextBoxFlag xmlns:ma14="http://schemas.microsoft.com/office/mac/drawingml/2011/main" val="1"/>
+            </a:ext>
+          </a:extLst>
+        </p:spPr>
+        <p:txBody>
+          <a:bodyPr/>
+          <a:lstStyle/>
+          <a:p>
+            <a:pPr/>
+            <a:fld id="{86CB4B4D-7CA3-9044-876B-883B54F8677D}" type="slidenum"/>
+          </a:p>
+        </p:txBody>
+      </p:sp>
+    </p:spTree>
+  </p:cSld>
+  <p:clrMapOvr>
+    <a:masterClrMapping/>
+  </p:clrMapOvr>
+  <p:transition xmlns:p14="http://schemas.microsoft.com/office/powerpoint/2010/main" spd="med" advClick="1"/>
+</p:sld>
+</file>
+
+<file path=ppt/slides/slide22.xml><?xml version="1.0" encoding="utf-8"?>
+<p:sld xmlns:a="http://schemas.openxmlformats.org/drawingml/2006/main" xmlns:r="http://schemas.openxmlformats.org/officeDocument/2006/relationships" xmlns:p="http://schemas.openxmlformats.org/presentationml/2006/main" showMasterSp="1" showMasterPhAnim="1">
+  <p:cSld>
+    <p:spTree>
+      <p:nvGrpSpPr>
+        <p:cNvPr id="1" name=""/>
+        <p:cNvGrpSpPr/>
+        <p:nvPr/>
+      </p:nvGrpSpPr>
+      <p:grpSpPr>
+        <a:xfrm>
+          <a:off x="0" y="0"/>
+          <a:ext cx="0" cy="0"/>
+          <a:chOff x="0" y="0"/>
+          <a:chExt cx="0" cy="0"/>
+        </a:xfrm>
+      </p:grpSpPr>
+      <p:sp>
+        <p:nvSpPr>
+          <p:cNvPr id="313" name="Pricing Plan"/>
+          <p:cNvSpPr txBox="1"/>
+          <p:nvPr>
+            <p:ph type="title"/>
+          </p:nvPr>
+        </p:nvSpPr>
+        <p:spPr>
+          <a:prstGeom prst="rect">
+            <a:avLst/>
+          </a:prstGeom>
+        </p:spPr>
+        <p:txBody>
+          <a:bodyPr/>
+          <a:lstStyle/>
+          <a:p>
+            <a:pPr/>
+            <a:r>
+              <a:t>Pricing Plan</a:t>
+            </a:r>
+          </a:p>
+        </p:txBody>
+      </p:sp>
+      <p:pic>
+        <p:nvPicPr>
+          <p:cNvPr id="314" name="pasted-image.png" descr="pasted-image.png"/>
+          <p:cNvPicPr>
+            <a:picLocks noChangeAspect="1"/>
+          </p:cNvPicPr>
+          <p:nvPr/>
+        </p:nvPicPr>
+        <p:blipFill>
+          <a:blip r:embed="rId2">
+            <a:extLst/>
+          </a:blip>
+          <a:stretch>
+            <a:fillRect/>
+          </a:stretch>
+        </p:blipFill>
+        <p:spPr>
+          <a:xfrm>
+            <a:off x="2816984" y="2767395"/>
+            <a:ext cx="7370832" cy="5757426"/>
+          </a:xfrm>
+          <a:prstGeom prst="rect">
+            <a:avLst/>
+          </a:prstGeom>
+          <a:ln w="25400">
+            <a:solidFill>
+              <a:srgbClr val="F3F7F5"/>
+            </a:solidFill>
+            <a:miter lim="400000"/>
+          </a:ln>
+          <a:effectLst>
+            <a:outerShdw sx="100000" sy="100000" kx="0" ky="0" algn="b" rotWithShape="0" blurRad="50800" dist="25400" dir="3600000">
+              <a:srgbClr val="000000">
+                <a:alpha val="70000"/>
+              </a:srgbClr>
+            </a:outerShdw>
+          </a:effectLst>
+        </p:spPr>
+      </p:pic>
+      <p:sp>
+        <p:nvSpPr>
+          <p:cNvPr id="315" name="update July 1, 2017"/>
+          <p:cNvSpPr txBox="1"/>
+          <p:nvPr/>
+        </p:nvSpPr>
+        <p:spPr>
+          <a:xfrm>
+            <a:off x="10189280" y="8790086"/>
+            <a:ext cx="2134668" cy="381001"/>
+          </a:xfrm>
+          <a:prstGeom prst="rect">
+            <a:avLst/>
+          </a:prstGeom>
+          <a:ln w="12700">
+            <a:miter lim="400000"/>
+          </a:ln>
+          <a:extLst>
+            <a:ext uri="{C572A759-6A51-4108-AA02-DFA0A04FC94B}">
+              <ma14:wrappingTextBoxFlag xmlns:ma14="http://schemas.microsoft.com/office/mac/drawingml/2011/main" val="1"/>
+            </a:ext>
+          </a:extLst>
+        </p:spPr>
+        <p:txBody>
+          <a:bodyPr wrap="none" lIns="50800" tIns="50800" rIns="50800" bIns="50800" anchor="ctr">
+            <a:spAutoFit/>
+          </a:bodyPr>
+          <a:lstStyle>
+            <a:lvl1pPr>
+              <a:defRPr i="1" sz="1800">
+                <a:solidFill>
+                  <a:srgbClr val="53585F"/>
+                </a:solidFill>
+                <a:latin typeface="Helvetica"/>
+                <a:ea typeface="Helvetica"/>
+                <a:cs typeface="Helvetica"/>
+                <a:sym typeface="Helvetica"/>
+              </a:defRPr>
+            </a:lvl1pPr>
+          </a:lstStyle>
+          <a:p>
+            <a:pPr/>
+            <a:r>
+              <a:t>update July 1, 2017</a:t>
+            </a:r>
+          </a:p>
+        </p:txBody>
+      </p:sp>
+      <p:sp>
+        <p:nvSpPr>
+          <p:cNvPr id="316" name="Slide Number"/>
+          <p:cNvSpPr txBox="1"/>
+          <p:nvPr>
+            <p:ph type="sldNum" sz="quarter" idx="4294967295"/>
+          </p:nvPr>
+        </p:nvSpPr>
+        <p:spPr>
+          <a:prstGeom prst="rect">
+            <a:avLst/>
+          </a:prstGeom>
+          <a:extLst>
+            <a:ext uri="{C572A759-6A51-4108-AA02-DFA0A04FC94B}">
+              <ma14:wrappingTextBoxFlag xmlns:ma14="http://schemas.microsoft.com/office/mac/drawingml/2011/main" val="1"/>
+            </a:ext>
+          </a:extLst>
+        </p:spPr>
+        <p:txBody>
+          <a:bodyPr/>
+          <a:lstStyle/>
+          <a:p>
+            <a:pPr/>
+            <a:fld id="{86CB4B4D-7CA3-9044-876B-883B54F8677D}" type="slidenum"/>
+          </a:p>
+        </p:txBody>
+      </p:sp>
+    </p:spTree>
+  </p:cSld>
+  <p:clrMapOvr>
+    <a:masterClrMapping/>
+  </p:clrMapOvr>
+  <p:transition xmlns:p14="http://schemas.microsoft.com/office/powerpoint/2010/main" spd="med" advClick="1"/>
+</p:sld>
+</file>
+
+<file path=ppt/slides/slide23.xml><?xml version="1.0" encoding="utf-8"?>
+<p:sld xmlns:a="http://schemas.openxmlformats.org/drawingml/2006/main" xmlns:r="http://schemas.openxmlformats.org/officeDocument/2006/relationships" xmlns:p="http://schemas.openxmlformats.org/presentationml/2006/main" showMasterSp="1" showMasterPhAnim="1">
+  <p:cSld>
+    <p:spTree>
+      <p:nvGrpSpPr>
+        <p:cNvPr id="1" name=""/>
+        <p:cNvGrpSpPr/>
+        <p:nvPr/>
+      </p:nvGrpSpPr>
+      <p:grpSpPr>
+        <a:xfrm>
+          <a:off x="0" y="0"/>
+          <a:ext cx="0" cy="0"/>
+          <a:chOff x="0" y="0"/>
+          <a:chExt cx="0" cy="0"/>
+        </a:xfrm>
+      </p:grpSpPr>
+      <p:sp>
+        <p:nvSpPr>
+          <p:cNvPr id="318" name="Docker Hub"/>
+          <p:cNvSpPr txBox="1"/>
+          <p:nvPr>
+            <p:ph type="title"/>
+          </p:nvPr>
+        </p:nvSpPr>
+        <p:spPr>
+          <a:prstGeom prst="rect">
+            <a:avLst/>
+          </a:prstGeom>
+        </p:spPr>
+        <p:txBody>
+          <a:bodyPr/>
+          <a:lstStyle/>
+          <a:p>
+            <a:pPr/>
+            <a:r>
+              <a:t>Docker Hub</a:t>
+            </a:r>
+          </a:p>
+        </p:txBody>
+      </p:sp>
+      <p:sp>
+        <p:nvSpPr>
+          <p:cNvPr id="319" name="Register to Docker Hub &amp; Login…"/>
+          <p:cNvSpPr txBox="1"/>
+          <p:nvPr>
+            <p:ph type="body" idx="1"/>
+          </p:nvPr>
+        </p:nvSpPr>
+        <p:spPr>
+          <a:prstGeom prst="rect">
+            <a:avLst/>
+          </a:prstGeom>
+        </p:spPr>
+        <p:txBody>
+          <a:bodyPr anchor="t"/>
+          <a:lstStyle/>
+          <a:p>
+            <a:pPr marL="368300" indent="-368300" defTabSz="338835">
+              <a:spcBef>
+                <a:spcPts val="2400"/>
+              </a:spcBef>
+              <a:buSzPct val="100000"/>
+              <a:buAutoNum type="arabicPeriod" startAt="1"/>
+              <a:defRPr sz="2088"/>
+            </a:pPr>
+            <a:r>
+              <a:t>Register to Docker Hub &amp; Login</a:t>
+            </a:r>
+          </a:p>
+          <a:p>
+            <a:pPr marL="368300" indent="-368300" defTabSz="338835">
+              <a:spcBef>
+                <a:spcPts val="2400"/>
+              </a:spcBef>
+              <a:buSzPct val="100000"/>
+              <a:buAutoNum type="arabicPeriod" startAt="1"/>
+              <a:defRPr sz="2088"/>
+            </a:pPr>
+            <a:r>
+              <a:t>Create Repository</a:t>
+            </a:r>
+          </a:p>
+          <a:p>
+            <a:pPr marL="368300" indent="-368300" defTabSz="338835">
+              <a:spcBef>
+                <a:spcPts val="2400"/>
+              </a:spcBef>
+              <a:buSzPct val="100000"/>
+              <a:buAutoNum type="arabicPeriod" startAt="1"/>
+              <a:defRPr sz="2088"/>
+            </a:pPr>
+            <a:r>
+              <a:t>On local…</a:t>
+            </a:r>
+          </a:p>
+          <a:p>
+            <a:pPr lvl="1" marL="736600" indent="-368300" defTabSz="338835">
+              <a:spcBef>
+                <a:spcPts val="2400"/>
+              </a:spcBef>
+              <a:buSzPct val="100000"/>
+              <a:buAutoNum type="arabicPeriod" startAt="1"/>
+              <a:defRPr sz="2088"/>
+            </a:pPr>
+            <a:r>
+              <a:t>Login to Docker hub</a:t>
+            </a:r>
+            <a:br/>
+            <a:br/>
+            <a:r>
+              <a:rPr sz="1740">
+                <a:latin typeface="Menlo"/>
+                <a:ea typeface="Menlo"/>
+                <a:cs typeface="Menlo"/>
+                <a:sym typeface="Menlo"/>
+              </a:rPr>
+              <a:t>$ docker login </a:t>
+            </a:r>
+            <a:br>
+              <a:rPr sz="1740">
+                <a:latin typeface="Menlo"/>
+                <a:ea typeface="Menlo"/>
+                <a:cs typeface="Menlo"/>
+                <a:sym typeface="Menlo"/>
+              </a:rPr>
+            </a:br>
+            <a:r>
+              <a:rPr sz="1740">
+                <a:latin typeface="Menlo"/>
+                <a:ea typeface="Menlo"/>
+                <a:cs typeface="Menlo"/>
+                <a:sym typeface="Menlo"/>
+              </a:rPr>
+              <a:t>   username:</a:t>
+            </a:r>
+            <a:br>
+              <a:rPr sz="1740">
+                <a:latin typeface="Menlo"/>
+                <a:ea typeface="Menlo"/>
+                <a:cs typeface="Menlo"/>
+                <a:sym typeface="Menlo"/>
+              </a:rPr>
+            </a:br>
+            <a:r>
+              <a:rPr sz="1740">
+                <a:latin typeface="Menlo"/>
+                <a:ea typeface="Menlo"/>
+                <a:cs typeface="Menlo"/>
+                <a:sym typeface="Menlo"/>
+              </a:rPr>
+              <a:t>   password:</a:t>
+            </a:r>
+            <a:endParaRPr sz="1740">
+              <a:latin typeface="Menlo"/>
+              <a:ea typeface="Menlo"/>
+              <a:cs typeface="Menlo"/>
+              <a:sym typeface="Menlo"/>
+            </a:endParaRPr>
+          </a:p>
+          <a:p>
+            <a:pPr lvl="1" marL="736600" indent="-368300" defTabSz="338835">
+              <a:spcBef>
+                <a:spcPts val="2400"/>
+              </a:spcBef>
+              <a:buSzPct val="100000"/>
+              <a:buAutoNum type="arabicPeriod" startAt="1"/>
+              <a:defRPr sz="2088"/>
+            </a:pPr>
+            <a:r>
+              <a:t>Push to Image Docker Hub</a:t>
+            </a:r>
+            <a:br/>
+            <a:br/>
+            <a:r>
+              <a:rPr sz="1740">
+                <a:latin typeface="Menlo"/>
+                <a:ea typeface="Menlo"/>
+                <a:cs typeface="Menlo"/>
+                <a:sym typeface="Menlo"/>
+              </a:rPr>
+              <a:t>$ docker push &lt;namespace/repository&gt; </a:t>
+            </a:r>
+            <a:br>
+              <a:rPr sz="1740">
+                <a:latin typeface="Menlo"/>
+                <a:ea typeface="Menlo"/>
+                <a:cs typeface="Menlo"/>
+                <a:sym typeface="Menlo"/>
+              </a:rPr>
+            </a:br>
+            <a:br>
+              <a:rPr sz="1740">
+                <a:latin typeface="Menlo"/>
+                <a:ea typeface="Menlo"/>
+                <a:cs typeface="Menlo"/>
+                <a:sym typeface="Menlo"/>
+              </a:rPr>
+            </a:br>
+            <a:r>
+              <a:rPr sz="1740">
+                <a:latin typeface="Menlo"/>
+                <a:ea typeface="Menlo"/>
+                <a:cs typeface="Menlo"/>
+                <a:sym typeface="Menlo"/>
+              </a:rPr>
+              <a:t>  </a:t>
+            </a:r>
+            <a:r>
+              <a:rPr i="1" sz="1740">
+                <a:solidFill>
+                  <a:srgbClr val="868D99"/>
+                </a:solidFill>
+                <a:latin typeface="Menlo"/>
+                <a:ea typeface="Menlo"/>
+                <a:cs typeface="Menlo"/>
+                <a:sym typeface="Menlo"/>
+              </a:rPr>
+              <a:t>note: namespace/repository == image tag</a:t>
+            </a:r>
+          </a:p>
+          <a:p>
+            <a:pPr lvl="1" marL="736600" indent="-368300" defTabSz="338835">
+              <a:spcBef>
+                <a:spcPts val="2400"/>
+              </a:spcBef>
+              <a:buSzPct val="100000"/>
+              <a:buAutoNum type="arabicPeriod" startAt="1"/>
+              <a:defRPr sz="2088"/>
+            </a:pPr>
+            <a:r>
+              <a:t>Logout</a:t>
+            </a:r>
+            <a:br/>
+            <a:br/>
+            <a:r>
+              <a:rPr sz="1740">
+                <a:latin typeface="Menlo"/>
+                <a:ea typeface="Menlo"/>
+                <a:cs typeface="Menlo"/>
+                <a:sym typeface="Menlo"/>
+              </a:rPr>
+              <a:t>$ docker logout</a:t>
+            </a:r>
+          </a:p>
+        </p:txBody>
+      </p:sp>
+      <p:sp>
+        <p:nvSpPr>
+          <p:cNvPr id="320" name="Slide Number"/>
+          <p:cNvSpPr txBox="1"/>
           <p:nvPr>
             <p:ph type="sldNum" sz="quarter" idx="4294967295"/>
           </p:nvPr>
@@ -5748,8 +6314,8 @@
       </p:grpSpPr>
       <p:sp>
         <p:nvSpPr>
-          <p:cNvPr id="126" name="Shape 126"/>
-          <p:cNvSpPr/>
+          <p:cNvPr id="126" name="Docker Basic Command"/>
+          <p:cNvSpPr txBox="1"/>
           <p:nvPr>
             <p:ph type="title"/>
           </p:nvPr>
@@ -5776,8 +6342,8 @@
       </p:sp>
       <p:sp>
         <p:nvSpPr>
-          <p:cNvPr id="127" name="Shape 127"/>
-          <p:cNvSpPr/>
+          <p:cNvPr id="127" name="ตรวจสอบ version ของ docker  $ docker --version…"/>
+          <p:cNvSpPr txBox="1"/>
           <p:nvPr>
             <p:ph type="body" idx="1"/>
           </p:nvPr>
@@ -5899,7 +6465,7 @@
       </p:sp>
       <p:pic>
         <p:nvPicPr>
-          <p:cNvPr id="128" name="pasted-image.png"/>
+          <p:cNvPr id="128" name="pasted-image.png" descr="pasted-image.png"/>
           <p:cNvPicPr>
             <a:picLocks noChangeAspect="1"/>
           </p:cNvPicPr>
@@ -5935,8 +6501,8 @@
       </p:pic>
       <p:sp>
         <p:nvSpPr>
-          <p:cNvPr id="129" name="Shape 129"/>
-          <p:cNvSpPr/>
+          <p:cNvPr id="129" name="Slide Number"/>
+          <p:cNvSpPr txBox="1"/>
           <p:nvPr>
             <p:ph type="sldNum" sz="quarter" idx="4294967295"/>
           </p:nvPr>
@@ -5992,8 +6558,8 @@
       </p:grpSpPr>
       <p:sp>
         <p:nvSpPr>
-          <p:cNvPr id="131" name="Shape 131"/>
-          <p:cNvSpPr/>
+          <p:cNvPr id="131" name="‘docker run’"/>
+          <p:cNvSpPr txBox="1"/>
           <p:nvPr>
             <p:ph type="title"/>
           </p:nvPr>
@@ -6016,8 +6582,8 @@
       </p:sp>
       <p:sp>
         <p:nvSpPr>
-          <p:cNvPr id="132" name="Shape 132"/>
-          <p:cNvSpPr/>
+          <p:cNvPr id="132" name="Usage: docker [option] COMMAND [argument …]…"/>
+          <p:cNvSpPr txBox="1"/>
           <p:nvPr>
             <p:ph type="body" sz="quarter" idx="1"/>
           </p:nvPr>
@@ -6074,7 +6640,7 @@
       </p:sp>
       <p:pic>
         <p:nvPicPr>
-          <p:cNvPr id="133" name=""/>
+          <p:cNvPr id="133" name="Circle" descr="Circle"/>
           <p:cNvPicPr>
             <a:picLocks noChangeAspect="0"/>
           </p:cNvPicPr>
@@ -6100,7 +6666,7 @@
       </p:pic>
       <p:pic>
         <p:nvPicPr>
-          <p:cNvPr id="135" name=""/>
+          <p:cNvPr id="135" name="Shape" descr="Shape"/>
           <p:cNvPicPr>
             <a:picLocks noChangeAspect="0"/>
           </p:cNvPicPr>
@@ -6126,7 +6692,7 @@
       </p:pic>
       <p:pic>
         <p:nvPicPr>
-          <p:cNvPr id="166" name=""/>
+          <p:cNvPr id="166" name="Connection Line" descr="Connection Line"/>
           <p:cNvPicPr>
             <a:picLocks noChangeAspect="0"/>
           </p:cNvPicPr>
@@ -6152,8 +6718,8 @@
       </p:pic>
       <p:sp>
         <p:nvSpPr>
-          <p:cNvPr id="138" name="Shape 138"/>
-          <p:cNvSpPr/>
+          <p:cNvPr id="138" name="hello-world…"/>
+          <p:cNvSpPr txBox="1"/>
           <p:nvPr/>
         </p:nvSpPr>
         <p:spPr>
@@ -6208,7 +6774,7 @@
       </p:sp>
       <p:pic>
         <p:nvPicPr>
-          <p:cNvPr id="168" name=""/>
+          <p:cNvPr id="168" name="Connection Line" descr="Connection Line"/>
           <p:cNvPicPr>
             <a:picLocks noChangeAspect="0"/>
           </p:cNvPicPr>
@@ -6234,7 +6800,7 @@
       </p:pic>
       <p:grpSp>
         <p:nvGrpSpPr>
-          <p:cNvPr id="142" name="Group 142"/>
+          <p:cNvPr id="142" name="pull"/>
           <p:cNvGrpSpPr/>
           <p:nvPr/>
         </p:nvGrpSpPr>
@@ -6248,7 +6814,7 @@
         </p:grpSpPr>
         <p:sp>
           <p:nvSpPr>
-            <p:cNvPr id="141" name="Shape 141"/>
+            <p:cNvPr id="141" name="pull"/>
             <p:cNvSpPr/>
             <p:nvPr/>
           </p:nvSpPr>
@@ -6298,7 +6864,7 @@
         </p:sp>
         <p:pic>
           <p:nvPicPr>
-            <p:cNvPr id="140" name=""/>
+            <p:cNvPr id="140" name="pull" descr="pull"/>
             <p:cNvPicPr>
               <a:picLocks noChangeAspect="0"/>
             </p:cNvPicPr>
@@ -6326,7 +6892,7 @@
       </p:grpSp>
       <p:pic>
         <p:nvPicPr>
-          <p:cNvPr id="170" name=""/>
+          <p:cNvPr id="170" name="Connection Line" descr="Connection Line"/>
           <p:cNvPicPr>
             <a:picLocks noChangeAspect="0"/>
           </p:cNvPicPr>
@@ -6352,7 +6918,7 @@
       </p:pic>
       <p:pic>
         <p:nvPicPr>
-          <p:cNvPr id="172" name=""/>
+          <p:cNvPr id="172" name="Connection Line" descr="Connection Line"/>
           <p:cNvPicPr>
             <a:picLocks noChangeAspect="0"/>
           </p:cNvPicPr>
@@ -6378,7 +6944,7 @@
       </p:pic>
       <p:grpSp>
         <p:nvGrpSpPr>
-          <p:cNvPr id="147" name="Group 147"/>
+          <p:cNvPr id="147" name="run"/>
           <p:cNvGrpSpPr/>
           <p:nvPr/>
         </p:nvGrpSpPr>
@@ -6392,7 +6958,7 @@
         </p:grpSpPr>
         <p:sp>
           <p:nvSpPr>
-            <p:cNvPr id="146" name="Shape 146"/>
+            <p:cNvPr id="146" name="run"/>
             <p:cNvSpPr/>
             <p:nvPr/>
           </p:nvSpPr>
@@ -6442,7 +7008,7 @@
         </p:sp>
         <p:pic>
           <p:nvPicPr>
-            <p:cNvPr id="145" name=""/>
+            <p:cNvPr id="145" name="run" descr="run"/>
             <p:cNvPicPr>
               <a:picLocks noChangeAspect="0"/>
             </p:cNvPicPr>
@@ -6470,7 +7036,7 @@
       </p:grpSp>
       <p:pic>
         <p:nvPicPr>
-          <p:cNvPr id="174" name=""/>
+          <p:cNvPr id="174" name="Connection Line" descr="Connection Line"/>
           <p:cNvPicPr>
             <a:picLocks noChangeAspect="0"/>
           </p:cNvPicPr>
@@ -6496,7 +7062,7 @@
       </p:pic>
       <p:grpSp>
         <p:nvGrpSpPr>
-          <p:cNvPr id="151" name="Group 151"/>
+          <p:cNvPr id="151" name="execute command"/>
           <p:cNvGrpSpPr/>
           <p:nvPr/>
         </p:nvGrpSpPr>
@@ -6510,7 +7076,7 @@
         </p:grpSpPr>
         <p:sp>
           <p:nvSpPr>
-            <p:cNvPr id="150" name="Shape 150"/>
+            <p:cNvPr id="150" name="execute command"/>
             <p:cNvSpPr/>
             <p:nvPr/>
           </p:nvSpPr>
@@ -6560,7 +7126,7 @@
         </p:sp>
         <p:pic>
           <p:nvPicPr>
-            <p:cNvPr id="149" name=""/>
+            <p:cNvPr id="149" name="execute command" descr="execute command"/>
             <p:cNvPicPr>
               <a:picLocks noChangeAspect="0"/>
             </p:cNvPicPr>
@@ -6588,7 +7154,7 @@
       </p:grpSp>
       <p:pic>
         <p:nvPicPr>
-          <p:cNvPr id="176" name=""/>
+          <p:cNvPr id="176" name="Connection Line" descr="Connection Line"/>
           <p:cNvPicPr>
             <a:picLocks noChangeAspect="0"/>
           </p:cNvPicPr>
@@ -6614,7 +7180,7 @@
       </p:pic>
       <p:grpSp>
         <p:nvGrpSpPr>
-          <p:cNvPr id="158" name="Group 158"/>
+          <p:cNvPr id="158" name="Group"/>
           <p:cNvGrpSpPr/>
           <p:nvPr/>
         </p:nvGrpSpPr>
@@ -6628,7 +7194,7 @@
         </p:grpSpPr>
         <p:pic>
           <p:nvPicPr>
-            <p:cNvPr id="153" name=""/>
+            <p:cNvPr id="153" name="Circle" descr="Circle"/>
             <p:cNvPicPr>
               <a:picLocks noChangeAspect="0"/>
             </p:cNvPicPr>
@@ -6655,7 +7221,7 @@
         </p:pic>
         <p:grpSp>
           <p:nvGrpSpPr>
-            <p:cNvPr id="157" name="Group 157"/>
+            <p:cNvPr id="157" name="Oval"/>
             <p:cNvGrpSpPr/>
             <p:nvPr/>
           </p:nvGrpSpPr>
@@ -6669,7 +7235,7 @@
           </p:grpSpPr>
           <p:sp>
             <p:nvSpPr>
-              <p:cNvPr id="156" name="Shape 156"/>
+              <p:cNvPr id="156" name="Oval"/>
               <p:cNvSpPr/>
               <p:nvPr/>
             </p:nvSpPr>
@@ -6703,7 +7269,7 @@
           </p:sp>
           <p:pic>
             <p:nvPicPr>
-              <p:cNvPr id="155" name=""/>
+              <p:cNvPr id="155" name="Oval" descr="Oval"/>
               <p:cNvPicPr>
                 <a:picLocks noChangeAspect="0"/>
               </p:cNvPicPr>
@@ -6732,7 +7298,7 @@
       </p:grpSp>
       <p:pic>
         <p:nvPicPr>
-          <p:cNvPr id="178" name=""/>
+          <p:cNvPr id="178" name="Connection Line" descr="Connection Line"/>
           <p:cNvPicPr>
             <a:picLocks noChangeAspect="0"/>
           </p:cNvPicPr>
@@ -6758,7 +7324,7 @@
       </p:pic>
       <p:grpSp>
         <p:nvGrpSpPr>
-          <p:cNvPr id="162" name="Group 162"/>
+          <p:cNvPr id="162" name="Docker…"/>
           <p:cNvGrpSpPr/>
           <p:nvPr/>
         </p:nvGrpSpPr>
@@ -6772,7 +7338,7 @@
         </p:grpSpPr>
         <p:sp>
           <p:nvSpPr>
-            <p:cNvPr id="161" name="Shape 161"/>
+            <p:cNvPr id="161" name="Docker…"/>
             <p:cNvSpPr/>
             <p:nvPr/>
           </p:nvSpPr>
@@ -6830,7 +7396,7 @@
         </p:sp>
         <p:pic>
           <p:nvPicPr>
-            <p:cNvPr id="160" name=""/>
+            <p:cNvPr id="160" name="Docker…" descr="Docker…"/>
             <p:cNvPicPr>
               <a:picLocks noChangeAspect="0"/>
             </p:cNvPicPr>
@@ -6858,8 +7424,8 @@
       </p:grpSp>
       <p:sp>
         <p:nvSpPr>
-          <p:cNvPr id="163" name="Shape 163"/>
-          <p:cNvSpPr/>
+          <p:cNvPr id="163" name="No"/>
+          <p:cNvSpPr txBox="1"/>
           <p:nvPr/>
         </p:nvSpPr>
         <p:spPr>
@@ -6903,8 +7469,8 @@
       </p:sp>
       <p:sp>
         <p:nvSpPr>
-          <p:cNvPr id="164" name="Shape 164"/>
-          <p:cNvSpPr/>
+          <p:cNvPr id="164" name="Yes"/>
+          <p:cNvSpPr txBox="1"/>
           <p:nvPr/>
         </p:nvSpPr>
         <p:spPr>
@@ -6948,8 +7514,8 @@
       </p:sp>
       <p:sp>
         <p:nvSpPr>
-          <p:cNvPr id="165" name="Shape 165"/>
-          <p:cNvSpPr/>
+          <p:cNvPr id="165" name="Slide Number"/>
+          <p:cNvSpPr txBox="1"/>
           <p:nvPr>
             <p:ph type="sldNum" sz="quarter" idx="4294967295"/>
           </p:nvPr>
@@ -7326,13 +7892,13 @@
       </p:par>
     </p:tnLst>
     <p:bldLst>
+      <p:bldP build="whole" bldLvl="1" animBg="1" rev="0" advAuto="0" spid="166" grpId="1"/>
       <p:bldP build="whole" bldLvl="1" animBg="1" rev="0" advAuto="0" spid="172" grpId="4"/>
-      <p:bldP build="whole" bldLvl="1" animBg="1" rev="0" advAuto="0" spid="176" grpId="6"/>
-      <p:bldP build="whole" bldLvl="1" animBg="1" rev="0" advAuto="0" spid="166" grpId="1"/>
       <p:bldP build="whole" bldLvl="1" animBg="1" rev="0" advAuto="0" spid="170" grpId="3"/>
+      <p:bldP build="whole" bldLvl="1" animBg="1" rev="0" advAuto="0" spid="174" grpId="5"/>
       <p:bldP build="whole" bldLvl="1" animBg="1" rev="0" advAuto="0" spid="178" grpId="7"/>
       <p:bldP build="whole" bldLvl="1" animBg="1" rev="0" advAuto="0" spid="168" grpId="2"/>
-      <p:bldP build="whole" bldLvl="1" animBg="1" rev="0" advAuto="0" spid="174" grpId="5"/>
+      <p:bldP build="whole" bldLvl="1" animBg="1" rev="0" advAuto="0" spid="176" grpId="6"/>
     </p:bldLst>
   </p:timing>
 </p:sld>
@@ -7357,8 +7923,8 @@
       </p:grpSpPr>
       <p:sp>
         <p:nvSpPr>
-          <p:cNvPr id="181" name="Shape 181"/>
-          <p:cNvSpPr/>
+          <p:cNvPr id="181" name="Container State"/>
+          <p:cNvSpPr txBox="1"/>
           <p:nvPr>
             <p:ph type="title"/>
           </p:nvPr>
@@ -7381,7 +7947,7 @@
       </p:sp>
       <p:grpSp>
         <p:nvGrpSpPr>
-          <p:cNvPr id="184" name="Group 184"/>
+          <p:cNvPr id="184" name="Docker"/>
           <p:cNvGrpSpPr/>
           <p:nvPr/>
         </p:nvGrpSpPr>
@@ -7395,7 +7961,7 @@
         </p:grpSpPr>
         <p:sp>
           <p:nvSpPr>
-            <p:cNvPr id="183" name="Shape 183"/>
+            <p:cNvPr id="183" name="Docker"/>
             <p:cNvSpPr/>
             <p:nvPr/>
           </p:nvSpPr>
@@ -7442,7 +8008,7 @@
         </p:sp>
         <p:pic>
           <p:nvPicPr>
-            <p:cNvPr id="182" name=""/>
+            <p:cNvPr id="182" name="Docker" descr="Docker"/>
             <p:cNvPicPr>
               <a:picLocks noChangeAspect="0"/>
             </p:cNvPicPr>
@@ -7470,7 +8036,7 @@
       </p:grpSp>
       <p:grpSp>
         <p:nvGrpSpPr>
-          <p:cNvPr id="187" name="Group 187"/>
+          <p:cNvPr id="187" name="Image"/>
           <p:cNvGrpSpPr/>
           <p:nvPr/>
         </p:nvGrpSpPr>
@@ -7484,7 +8050,7 @@
         </p:grpSpPr>
         <p:sp>
           <p:nvSpPr>
-            <p:cNvPr id="186" name="Shape 186"/>
+            <p:cNvPr id="186" name="Image"/>
             <p:cNvSpPr/>
             <p:nvPr/>
           </p:nvSpPr>
@@ -7534,7 +8100,7 @@
         </p:sp>
         <p:pic>
           <p:nvPicPr>
-            <p:cNvPr id="185" name=""/>
+            <p:cNvPr id="185" name="Image" descr="Image"/>
             <p:cNvPicPr>
               <a:picLocks noChangeAspect="0"/>
             </p:cNvPicPr>
@@ -7562,7 +8128,7 @@
       </p:grpSp>
       <p:pic>
         <p:nvPicPr>
-          <p:cNvPr id="229" name=""/>
+          <p:cNvPr id="229" name="Connection Line" descr="Connection Line"/>
           <p:cNvPicPr>
             <a:picLocks noChangeAspect="0"/>
           </p:cNvPicPr>
@@ -7588,8 +8154,8 @@
       </p:pic>
       <p:sp>
         <p:nvSpPr>
-          <p:cNvPr id="189" name="Shape 189"/>
-          <p:cNvSpPr/>
+          <p:cNvPr id="189" name="pull"/>
+          <p:cNvSpPr txBox="1"/>
           <p:nvPr/>
         </p:nvSpPr>
         <p:spPr>
@@ -7633,7 +8199,7 @@
       </p:sp>
       <p:pic>
         <p:nvPicPr>
-          <p:cNvPr id="231" name=""/>
+          <p:cNvPr id="231" name="Connection Line" descr="Connection Line"/>
           <p:cNvPicPr>
             <a:picLocks noChangeAspect="0"/>
           </p:cNvPicPr>
@@ -7659,8 +8225,8 @@
       </p:pic>
       <p:sp>
         <p:nvSpPr>
-          <p:cNvPr id="191" name="Shape 191"/>
-          <p:cNvSpPr/>
+          <p:cNvPr id="191" name="run"/>
+          <p:cNvSpPr txBox="1"/>
           <p:nvPr/>
         </p:nvSpPr>
         <p:spPr>
@@ -7704,7 +8270,7 @@
       </p:sp>
       <p:grpSp>
         <p:nvGrpSpPr>
-          <p:cNvPr id="194" name="Group 194"/>
+          <p:cNvPr id="194" name="container"/>
           <p:cNvGrpSpPr/>
           <p:nvPr/>
         </p:nvGrpSpPr>
@@ -7718,7 +8284,7 @@
         </p:grpSpPr>
         <p:sp>
           <p:nvSpPr>
-            <p:cNvPr id="193" name="Shape 193"/>
+            <p:cNvPr id="193" name="container"/>
             <p:cNvSpPr/>
             <p:nvPr/>
           </p:nvSpPr>
@@ -7768,7 +8334,7 @@
         </p:sp>
         <p:pic>
           <p:nvPicPr>
-            <p:cNvPr id="192" name=""/>
+            <p:cNvPr id="192" name="container" descr="container"/>
             <p:cNvPicPr>
               <a:picLocks noChangeAspect="0"/>
             </p:cNvPicPr>
@@ -7796,7 +8362,7 @@
       </p:grpSp>
       <p:grpSp>
         <p:nvGrpSpPr>
-          <p:cNvPr id="197" name="Group 197"/>
+          <p:cNvPr id="197" name="container"/>
           <p:cNvGrpSpPr/>
           <p:nvPr/>
         </p:nvGrpSpPr>
@@ -7810,7 +8376,7 @@
         </p:grpSpPr>
         <p:sp>
           <p:nvSpPr>
-            <p:cNvPr id="196" name="Shape 196"/>
+            <p:cNvPr id="196" name="container"/>
             <p:cNvSpPr/>
             <p:nvPr/>
           </p:nvSpPr>
@@ -7860,7 +8426,7 @@
         </p:sp>
         <p:pic>
           <p:nvPicPr>
-            <p:cNvPr id="195" name=""/>
+            <p:cNvPr id="195" name="container" descr="container"/>
             <p:cNvPicPr>
               <a:picLocks noChangeAspect="0"/>
             </p:cNvPicPr>
@@ -7888,8 +8454,8 @@
       </p:grpSp>
       <p:sp>
         <p:nvSpPr>
-          <p:cNvPr id="198" name="Shape 198"/>
-          <p:cNvSpPr/>
+          <p:cNvPr id="198" name="…"/>
+          <p:cNvSpPr txBox="1"/>
           <p:nvPr/>
         </p:nvSpPr>
         <p:spPr>
@@ -7933,7 +8499,7 @@
       </p:sp>
       <p:pic>
         <p:nvPicPr>
-          <p:cNvPr id="233" name=""/>
+          <p:cNvPr id="233" name="Connection Line" descr="Connection Line"/>
           <p:cNvPicPr>
             <a:picLocks noChangeAspect="0"/>
           </p:cNvPicPr>
@@ -7959,7 +8525,7 @@
       </p:pic>
       <p:pic>
         <p:nvPicPr>
-          <p:cNvPr id="235" name=""/>
+          <p:cNvPr id="235" name="Connection Line" descr="Connection Line"/>
           <p:cNvPicPr>
             <a:picLocks noChangeAspect="0"/>
           </p:cNvPicPr>
@@ -7976,7 +8542,7 @@
         <p:spPr>
           <a:xfrm>
             <a:off x="8019449" y="3754291"/>
-            <a:ext cx="558946" cy="995483"/>
+            <a:ext cx="558954" cy="995483"/>
           </a:xfrm>
           <a:prstGeom prst="rect">
             <a:avLst/>
@@ -7985,7 +8551,7 @@
       </p:pic>
       <p:grpSp>
         <p:nvGrpSpPr>
-          <p:cNvPr id="203" name="Group 203"/>
+          <p:cNvPr id="203" name="Start"/>
           <p:cNvGrpSpPr/>
           <p:nvPr/>
         </p:nvGrpSpPr>
@@ -7999,7 +8565,7 @@
         </p:grpSpPr>
         <p:sp>
           <p:nvSpPr>
-            <p:cNvPr id="202" name="Shape 202"/>
+            <p:cNvPr id="202" name="Start"/>
             <p:cNvSpPr/>
             <p:nvPr/>
           </p:nvSpPr>
@@ -8049,7 +8615,7 @@
         </p:sp>
         <p:pic>
           <p:nvPicPr>
-            <p:cNvPr id="201" name=""/>
+            <p:cNvPr id="201" name="Start" descr="Start"/>
             <p:cNvPicPr>
               <a:picLocks noChangeAspect="0"/>
             </p:cNvPicPr>
@@ -8077,7 +8643,7 @@
       </p:grpSp>
       <p:grpSp>
         <p:nvGrpSpPr>
-          <p:cNvPr id="206" name="Group 206"/>
+          <p:cNvPr id="206" name="Execute"/>
           <p:cNvGrpSpPr/>
           <p:nvPr/>
         </p:nvGrpSpPr>
@@ -8091,7 +8657,7 @@
         </p:grpSpPr>
         <p:sp>
           <p:nvSpPr>
-            <p:cNvPr id="205" name="Shape 205"/>
+            <p:cNvPr id="205" name="Execute"/>
             <p:cNvSpPr/>
             <p:nvPr/>
           </p:nvSpPr>
@@ -8141,7 +8707,7 @@
         </p:sp>
         <p:pic>
           <p:nvPicPr>
-            <p:cNvPr id="204" name=""/>
+            <p:cNvPr id="204" name="Execute" descr="Execute"/>
             <p:cNvPicPr>
               <a:picLocks noChangeAspect="0"/>
             </p:cNvPicPr>
@@ -8169,7 +8735,7 @@
       </p:grpSp>
       <p:grpSp>
         <p:nvGrpSpPr>
-          <p:cNvPr id="209" name="Group 209"/>
+          <p:cNvPr id="209" name="Stop"/>
           <p:cNvGrpSpPr/>
           <p:nvPr/>
         </p:nvGrpSpPr>
@@ -8183,7 +8749,7 @@
         </p:grpSpPr>
         <p:sp>
           <p:nvSpPr>
-            <p:cNvPr id="208" name="Shape 208"/>
+            <p:cNvPr id="208" name="Stop"/>
             <p:cNvSpPr/>
             <p:nvPr/>
           </p:nvSpPr>
@@ -8233,7 +8799,7 @@
         </p:sp>
         <p:pic>
           <p:nvPicPr>
-            <p:cNvPr id="207" name=""/>
+            <p:cNvPr id="207" name="Stop" descr="Stop"/>
             <p:cNvPicPr>
               <a:picLocks noChangeAspect="0"/>
             </p:cNvPicPr>
@@ -8261,8 +8827,8 @@
       </p:grpSp>
       <p:sp>
         <p:nvSpPr>
-          <p:cNvPr id="210" name="Shape 210"/>
-          <p:cNvSpPr/>
+          <p:cNvPr id="210" name="container"/>
+          <p:cNvSpPr txBox="1"/>
           <p:nvPr/>
         </p:nvSpPr>
         <p:spPr>
@@ -8306,7 +8872,7 @@
       </p:sp>
       <p:pic>
         <p:nvPicPr>
-          <p:cNvPr id="211" name=""/>
+          <p:cNvPr id="211" name="Circle" descr="Circle"/>
           <p:cNvPicPr>
             <a:picLocks noChangeAspect="0"/>
           </p:cNvPicPr>
@@ -8332,7 +8898,7 @@
       </p:pic>
       <p:grpSp>
         <p:nvGrpSpPr>
-          <p:cNvPr id="218" name="Group 218"/>
+          <p:cNvPr id="218" name="Group"/>
           <p:cNvGrpSpPr/>
           <p:nvPr/>
         </p:nvGrpSpPr>
@@ -8346,7 +8912,7 @@
         </p:grpSpPr>
         <p:pic>
           <p:nvPicPr>
-            <p:cNvPr id="213" name=""/>
+            <p:cNvPr id="213" name="Circle" descr="Circle"/>
             <p:cNvPicPr>
               <a:picLocks noChangeAspect="0"/>
             </p:cNvPicPr>
@@ -8373,7 +8939,7 @@
         </p:pic>
         <p:grpSp>
           <p:nvGrpSpPr>
-            <p:cNvPr id="217" name="Group 217"/>
+            <p:cNvPr id="217" name="Oval"/>
             <p:cNvGrpSpPr/>
             <p:nvPr/>
           </p:nvGrpSpPr>
@@ -8387,7 +8953,7 @@
           </p:grpSpPr>
           <p:sp>
             <p:nvSpPr>
-              <p:cNvPr id="216" name="Shape 216"/>
+              <p:cNvPr id="216" name="Oval"/>
               <p:cNvSpPr/>
               <p:nvPr/>
             </p:nvSpPr>
@@ -8421,7 +8987,7 @@
           </p:sp>
           <p:pic>
             <p:nvPicPr>
-              <p:cNvPr id="215" name=""/>
+              <p:cNvPr id="215" name="Oval" descr="Oval"/>
               <p:cNvPicPr>
                 <a:picLocks noChangeAspect="0"/>
               </p:cNvPicPr>
@@ -8450,7 +9016,7 @@
       </p:grpSp>
       <p:pic>
         <p:nvPicPr>
-          <p:cNvPr id="219" name=""/>
+          <p:cNvPr id="219" name="Shape" descr="Shape"/>
           <p:cNvPicPr>
             <a:picLocks noChangeAspect="0"/>
           </p:cNvPicPr>
@@ -8476,8 +9042,8 @@
       </p:pic>
       <p:sp>
         <p:nvSpPr>
-          <p:cNvPr id="221" name="Shape 221"/>
-          <p:cNvSpPr/>
+          <p:cNvPr id="221" name="long running process…"/>
+          <p:cNvSpPr txBox="1"/>
           <p:nvPr/>
         </p:nvSpPr>
         <p:spPr>
@@ -8560,7 +9126,7 @@
       </p:sp>
       <p:pic>
         <p:nvPicPr>
-          <p:cNvPr id="237" name=""/>
+          <p:cNvPr id="237" name="Connection Line" descr="Connection Line"/>
           <p:cNvPicPr>
             <a:picLocks noChangeAspect="0"/>
           </p:cNvPicPr>
@@ -8586,7 +9152,7 @@
       </p:pic>
       <p:pic>
         <p:nvPicPr>
-          <p:cNvPr id="239" name=""/>
+          <p:cNvPr id="239" name="Connection Line" descr="Connection Line"/>
           <p:cNvPicPr>
             <a:picLocks noChangeAspect="0"/>
           </p:cNvPicPr>
@@ -8612,7 +9178,7 @@
       </p:pic>
       <p:pic>
         <p:nvPicPr>
-          <p:cNvPr id="241" name=""/>
+          <p:cNvPr id="241" name="Connection Line" descr="Connection Line"/>
           <p:cNvPicPr>
             <a:picLocks noChangeAspect="0"/>
           </p:cNvPicPr>
@@ -8638,7 +9204,7 @@
       </p:pic>
       <p:pic>
         <p:nvPicPr>
-          <p:cNvPr id="243" name=""/>
+          <p:cNvPr id="243" name="Connection Line" descr="Connection Line"/>
           <p:cNvPicPr>
             <a:picLocks noChangeAspect="0"/>
           </p:cNvPicPr>
@@ -8664,7 +9230,7 @@
       </p:pic>
       <p:pic>
         <p:nvPicPr>
-          <p:cNvPr id="245" name=""/>
+          <p:cNvPr id="245" name="Connection Line" descr="Connection Line"/>
           <p:cNvPicPr>
             <a:picLocks noChangeAspect="0"/>
           </p:cNvPicPr>
@@ -8690,8 +9256,8 @@
       </p:pic>
       <p:sp>
         <p:nvSpPr>
-          <p:cNvPr id="227" name="Shape 227"/>
-          <p:cNvSpPr/>
+          <p:cNvPr id="227" name="main process stop?"/>
+          <p:cNvSpPr txBox="1"/>
           <p:nvPr/>
         </p:nvSpPr>
         <p:spPr>
@@ -8735,8 +9301,8 @@
       </p:sp>
       <p:sp>
         <p:nvSpPr>
-          <p:cNvPr id="228" name="Shape 228"/>
-          <p:cNvSpPr/>
+          <p:cNvPr id="228" name="Slide Number"/>
+          <p:cNvSpPr txBox="1"/>
           <p:nvPr>
             <p:ph type="sldNum" sz="quarter" idx="4294967295"/>
           </p:nvPr>
@@ -9199,15 +9765,15 @@
       </p:par>
     </p:tnLst>
     <p:bldLst>
-      <p:bldP build="whole" bldLvl="1" animBg="1" rev="0" advAuto="0" spid="245" grpId="9"/>
-      <p:bldP build="whole" bldLvl="1" animBg="1" rev="0" advAuto="0" spid="229" grpId="1"/>
-      <p:bldP build="whole" bldLvl="1" animBg="1" rev="0" advAuto="0" spid="239" grpId="6"/>
-      <p:bldP build="whole" bldLvl="1" animBg="1" rev="0" advAuto="0" spid="235" grpId="4"/>
       <p:bldP build="whole" bldLvl="1" animBg="1" rev="0" advAuto="0" spid="231" grpId="2"/>
       <p:bldP build="whole" bldLvl="1" animBg="1" rev="0" advAuto="0" spid="241" grpId="7"/>
+      <p:bldP build="whole" bldLvl="1" animBg="1" rev="0" advAuto="0" spid="243" grpId="8"/>
+      <p:bldP build="whole" bldLvl="1" animBg="1" rev="0" advAuto="0" spid="245" grpId="9"/>
+      <p:bldP build="whole" bldLvl="1" animBg="1" rev="0" advAuto="0" spid="235" grpId="4"/>
+      <p:bldP build="whole" bldLvl="1" animBg="1" rev="0" advAuto="0" spid="229" grpId="1"/>
+      <p:bldP build="whole" bldLvl="1" animBg="1" rev="0" advAuto="0" spid="233" grpId="3"/>
       <p:bldP build="whole" bldLvl="1" animBg="1" rev="0" advAuto="0" spid="237" grpId="5"/>
-      <p:bldP build="whole" bldLvl="1" animBg="1" rev="0" advAuto="0" spid="233" grpId="3"/>
-      <p:bldP build="whole" bldLvl="1" animBg="1" rev="0" advAuto="0" spid="243" grpId="8"/>
+      <p:bldP build="whole" bldLvl="1" animBg="1" rev="0" advAuto="0" spid="239" grpId="6"/>
     </p:bldLst>
   </p:timing>
 </p:sld>
@@ -9232,8 +9798,8 @@
       </p:grpSpPr>
       <p:sp>
         <p:nvSpPr>
-          <p:cNvPr id="248" name="Shape 248"/>
-          <p:cNvSpPr/>
+          <p:cNvPr id="248" name="Pull Image"/>
+          <p:cNvSpPr txBox="1"/>
           <p:nvPr>
             <p:ph type="title"/>
           </p:nvPr>
@@ -9256,8 +9822,8 @@
       </p:sp>
       <p:sp>
         <p:nvSpPr>
-          <p:cNvPr id="249" name="Shape 249"/>
-          <p:cNvSpPr/>
+          <p:cNvPr id="249" name="ค้นหา docker image…"/>
+          <p:cNvSpPr txBox="1"/>
           <p:nvPr>
             <p:ph type="body" idx="1"/>
           </p:nvPr>
@@ -9403,8 +9969,8 @@
       </p:sp>
       <p:sp>
         <p:nvSpPr>
-          <p:cNvPr id="250" name="Shape 250"/>
-          <p:cNvSpPr/>
+          <p:cNvPr id="250" name="Slide Number"/>
+          <p:cNvSpPr txBox="1"/>
           <p:nvPr>
             <p:ph type="sldNum" sz="quarter" idx="4294967295"/>
           </p:nvPr>
@@ -9460,8 +10026,8 @@
       </p:grpSpPr>
       <p:sp>
         <p:nvSpPr>
-          <p:cNvPr id="252" name="Shape 252"/>
-          <p:cNvSpPr/>
+          <p:cNvPr id="252" name="Docker ps"/>
+          <p:cNvSpPr txBox="1"/>
           <p:nvPr>
             <p:ph type="title"/>
           </p:nvPr>
@@ -9484,8 +10050,8 @@
       </p:sp>
       <p:sp>
         <p:nvSpPr>
-          <p:cNvPr id="253" name="Shape 253"/>
-          <p:cNvSpPr/>
+          <p:cNvPr id="253" name="ตรวจสอบ process ของ container  $ docker ps…"/>
+          <p:cNvSpPr txBox="1"/>
           <p:nvPr>
             <p:ph type="body" idx="1"/>
           </p:nvPr>
@@ -9651,8 +10217,8 @@
       </p:sp>
       <p:sp>
         <p:nvSpPr>
-          <p:cNvPr id="254" name="Shape 254"/>
-          <p:cNvSpPr/>
+          <p:cNvPr id="254" name="Slide Number"/>
+          <p:cNvSpPr txBox="1"/>
           <p:nvPr>
             <p:ph type="sldNum" sz="quarter" idx="4294967295"/>
           </p:nvPr>
@@ -9708,8 +10274,8 @@
       </p:grpSpPr>
       <p:sp>
         <p:nvSpPr>
-          <p:cNvPr id="256" name="Shape 256"/>
-          <p:cNvSpPr/>
+          <p:cNvPr id="256" name="Docker Container"/>
+          <p:cNvSpPr txBox="1"/>
           <p:nvPr>
             <p:ph type="title"/>
           </p:nvPr>
@@ -9732,8 +10298,8 @@
       </p:sp>
       <p:sp>
         <p:nvSpPr>
-          <p:cNvPr id="257" name="Shape 257"/>
-          <p:cNvSpPr/>
+          <p:cNvPr id="257" name="run ubuntu container  $ docker run ubuntu…"/>
+          <p:cNvSpPr txBox="1"/>
           <p:nvPr>
             <p:ph type="body" idx="1"/>
           </p:nvPr>
@@ -9862,8 +10428,8 @@
       </p:sp>
       <p:sp>
         <p:nvSpPr>
-          <p:cNvPr id="258" name="Shape 258"/>
-          <p:cNvSpPr/>
+          <p:cNvPr id="258" name="Slide Number"/>
+          <p:cNvSpPr txBox="1"/>
           <p:nvPr>
             <p:ph type="sldNum" sz="quarter" idx="4294967295"/>
           </p:nvPr>
@@ -9919,8 +10485,8 @@
       </p:grpSpPr>
       <p:sp>
         <p:nvSpPr>
-          <p:cNvPr id="260" name="Shape 260"/>
-          <p:cNvSpPr/>
+          <p:cNvPr id="260" name="Docker Run"/>
+          <p:cNvSpPr txBox="1"/>
           <p:nvPr>
             <p:ph type="title"/>
           </p:nvPr>
@@ -9943,8 +10509,8 @@
       </p:sp>
       <p:sp>
         <p:nvSpPr>
-          <p:cNvPr id="261" name="Shape 261"/>
-          <p:cNvSpPr/>
+          <p:cNvPr id="261" name="run ubuntu แบบ daemon   $ docker run -d -t -P --name myUbuntu ubuntu  โดยที่ -d คือ run แบบ daemon mode      -t คือ (optional) จำลอง TTY เพื่อให้ container ทำงานค้างไว้กรณีที่ไม่มี process หลัก      -P (p ใหญ่) คือ forward port ที่เปิดใน container ทั้งหมดโดยไม่ต้องกำหนดทีละ port…"/>
+          <p:cNvSpPr txBox="1"/>
           <p:nvPr>
             <p:ph type="body" idx="1"/>
           </p:nvPr>
@@ -10192,8 +10758,8 @@
       </p:sp>
       <p:sp>
         <p:nvSpPr>
-          <p:cNvPr id="262" name="Shape 262"/>
-          <p:cNvSpPr/>
+          <p:cNvPr id="262" name="Slide Number"/>
+          <p:cNvSpPr txBox="1"/>
           <p:nvPr>
             <p:ph type="sldNum" sz="quarter" idx="4294967295"/>
           </p:nvPr>
